--- a/Dify/Dify.pptx
+++ b/Dify/Dify.pptx
@@ -726,13 +726,13 @@
               </a:ext>
             </a:extLst>
           </a:blip>
-          <a:srcRect t="32120" b="35596"/>
+          <a:srcRect t="32120" r="60486" b="35596"/>
           <a:stretch/>
         </p:blipFill>
         <p:spPr bwMode="auto">
           <a:xfrm>
-            <a:off x="870657" y="491707"/>
-            <a:ext cx="4945685" cy="838252"/>
+            <a:off x="677788" y="478575"/>
+            <a:ext cx="1954255" cy="838252"/>
           </a:xfrm>
           <a:prstGeom prst="rect">
             <a:avLst/>
@@ -772,7 +772,7 @@
         </p:blipFill>
         <p:spPr>
           <a:xfrm>
-            <a:off x="7724149" y="4560493"/>
+            <a:off x="7563895" y="4560493"/>
             <a:ext cx="999241" cy="1031475"/>
           </a:xfrm>
           <a:prstGeom prst="rect">
@@ -794,7 +794,7 @@
         </p:nvSpPr>
         <p:spPr>
           <a:xfrm>
-            <a:off x="7187273" y="5699300"/>
+            <a:off x="7027019" y="5699300"/>
             <a:ext cx="2331076" cy="923330"/>
           </a:xfrm>
           <a:prstGeom prst="rect">
@@ -853,8 +853,8 @@
         </p:nvSpPr>
         <p:spPr>
           <a:xfrm>
-            <a:off x="585814" y="395923"/>
-            <a:ext cx="5353071" cy="3230322"/>
+            <a:off x="425560" y="395923"/>
+            <a:ext cx="6906086" cy="3230322"/>
           </a:xfrm>
           <a:prstGeom prst="roundRect">
             <a:avLst/>
@@ -912,7 +912,7 @@
         </p:nvSpPr>
         <p:spPr>
           <a:xfrm>
-            <a:off x="7025205" y="4380386"/>
+            <a:off x="6864951" y="4380386"/>
             <a:ext cx="2493144" cy="2072119"/>
           </a:xfrm>
           <a:prstGeom prst="roundRect">
@@ -971,7 +971,7 @@
         </p:nvSpPr>
         <p:spPr>
           <a:xfrm>
-            <a:off x="767484" y="4578715"/>
+            <a:off x="3784062" y="4578715"/>
             <a:ext cx="2129804" cy="523220"/>
           </a:xfrm>
           <a:prstGeom prst="rect">
@@ -1015,7 +1015,7 @@
         </p:nvSpPr>
         <p:spPr>
           <a:xfrm>
-            <a:off x="958277" y="5315555"/>
+            <a:off x="3974855" y="5315555"/>
             <a:ext cx="1748218" cy="923330"/>
           </a:xfrm>
           <a:prstGeom prst="rect">
@@ -1065,7 +1065,7 @@
         </p:nvSpPr>
         <p:spPr>
           <a:xfrm>
-            <a:off x="585814" y="4380386"/>
+            <a:off x="3730183" y="4380386"/>
             <a:ext cx="2493144" cy="2072119"/>
           </a:xfrm>
           <a:prstGeom prst="roundRect">
@@ -1124,7 +1124,7 @@
         </p:nvSpPr>
         <p:spPr>
           <a:xfrm>
-            <a:off x="1289351" y="1572030"/>
+            <a:off x="803375" y="2449273"/>
             <a:ext cx="2132727" cy="369332"/>
           </a:xfrm>
           <a:prstGeom prst="rect">
@@ -1168,8 +1168,8 @@
         </p:nvCxnSpPr>
         <p:spPr>
           <a:xfrm>
-            <a:off x="585814" y="1436769"/>
-            <a:ext cx="5347692" cy="13974"/>
+            <a:off x="442177" y="2257035"/>
+            <a:ext cx="2885488" cy="0"/>
           </a:xfrm>
           <a:prstGeom prst="line">
             <a:avLst/>
@@ -1221,8 +1221,8 @@
         </p:nvSpPr>
         <p:spPr>
           <a:xfrm>
-            <a:off x="870657" y="2025592"/>
-            <a:ext cx="3209416" cy="369332"/>
+            <a:off x="542096" y="2968722"/>
+            <a:ext cx="2795285" cy="369332"/>
           </a:xfrm>
           <a:prstGeom prst="rect">
             <a:avLst/>
@@ -1267,13 +1267,14 @@
           </p:cNvPr>
           <p:cNvCxnSpPr>
             <a:cxnSpLocks/>
+            <a:endCxn id="7" idx="0"/>
           </p:cNvCxnSpPr>
           <p:nvPr/>
         </p:nvCxnSpPr>
         <p:spPr>
           <a:xfrm>
-            <a:off x="5084540" y="3626246"/>
-            <a:ext cx="0" cy="433631"/>
+            <a:off x="4976755" y="3626245"/>
+            <a:ext cx="0" cy="754141"/>
           </a:xfrm>
           <a:prstGeom prst="line">
             <a:avLst/>
@@ -1325,7 +1326,7 @@
         </p:nvCxnSpPr>
         <p:spPr>
           <a:xfrm>
-            <a:off x="1730169" y="4059877"/>
+            <a:off x="1569915" y="4059877"/>
             <a:ext cx="0" cy="320509"/>
           </a:xfrm>
           <a:prstGeom prst="line">
@@ -1378,7 +1379,7 @@
         </p:nvCxnSpPr>
         <p:spPr>
           <a:xfrm>
-            <a:off x="8245662" y="4059877"/>
+            <a:off x="8085408" y="4059877"/>
             <a:ext cx="0" cy="320509"/>
           </a:xfrm>
           <a:prstGeom prst="line">
@@ -1431,7 +1432,7 @@
         </p:nvCxnSpPr>
         <p:spPr>
           <a:xfrm>
-            <a:off x="1730169" y="4059877"/>
+            <a:off x="1569915" y="4059877"/>
             <a:ext cx="6515493" cy="0"/>
           </a:xfrm>
           <a:prstGeom prst="line">
@@ -1483,9 +1484,9 @@
           <p:nvPr/>
         </p:nvCxnSpPr>
         <p:spPr>
-          <a:xfrm>
-            <a:off x="585814" y="2479836"/>
-            <a:ext cx="5347692" cy="0"/>
+          <a:xfrm flipV="1">
+            <a:off x="5234728" y="378547"/>
+            <a:ext cx="0" cy="3230322"/>
           </a:xfrm>
           <a:prstGeom prst="line">
             <a:avLst/>
@@ -1536,7 +1537,7 @@
         </p:nvSpPr>
         <p:spPr>
           <a:xfrm>
-            <a:off x="7025205" y="395923"/>
+            <a:off x="542097" y="4380386"/>
             <a:ext cx="2493144" cy="2081691"/>
           </a:xfrm>
           <a:prstGeom prst="roundRect">
@@ -1581,25 +1582,382 @@
           </a:p>
         </p:txBody>
       </p:sp>
+      <p:sp>
+        <p:nvSpPr>
+          <p:cNvPr id="27" name="AutoShape 2">
+            <a:extLst>
+              <a:ext uri="{FF2B5EF4-FFF2-40B4-BE49-F238E27FC236}">
+                <a16:creationId xmlns:a16="http://schemas.microsoft.com/office/drawing/2014/main" id="{173FBE5D-E530-E3A4-A6AD-35F9D99E97BF}"/>
+              </a:ext>
+            </a:extLst>
+          </p:cNvPr>
+          <p:cNvSpPr>
+            <a:spLocks noChangeAspect="1" noChangeArrowheads="1"/>
+          </p:cNvSpPr>
+          <p:nvPr/>
+        </p:nvSpPr>
+        <p:spPr bwMode="auto">
+          <a:xfrm>
+            <a:off x="4640346" y="3276600"/>
+            <a:ext cx="304800" cy="304800"/>
+          </a:xfrm>
+          <a:prstGeom prst="rect">
+            <a:avLst/>
+          </a:prstGeom>
+          <a:noFill/>
+          <a:extLst>
+            <a:ext uri="{909E8E84-426E-40DD-AFC4-6F175D3DCCD1}">
+              <a14:hiddenFill xmlns:a14="http://schemas.microsoft.com/office/drawing/2010/main">
+                <a:solidFill>
+                  <a:srgbClr val="FFFFFF"/>
+                </a:solidFill>
+              </a14:hiddenFill>
+            </a:ext>
+          </a:extLst>
+        </p:spPr>
+        <p:txBody>
+          <a:bodyPr vert="horz" wrap="square" lIns="91440" tIns="45720" rIns="91440" bIns="45720" numCol="1" anchor="t" anchorCtr="0" compatLnSpc="1">
+            <a:prstTxWarp prst="textNoShape">
+              <a:avLst/>
+            </a:prstTxWarp>
+          </a:bodyPr>
+          <a:lstStyle/>
+          <a:p>
+            <a:endParaRPr lang="ja-JP" altLang="en-US"/>
+          </a:p>
+        </p:txBody>
+      </p:sp>
+      <p:pic>
+        <p:nvPicPr>
+          <p:cNvPr id="29" name="図 28">
+            <a:extLst>
+              <a:ext uri="{FF2B5EF4-FFF2-40B4-BE49-F238E27FC236}">
+                <a16:creationId xmlns:a16="http://schemas.microsoft.com/office/drawing/2014/main" id="{2DC853CD-84EE-3E6F-5C1F-9553C1F3FFF1}"/>
+              </a:ext>
+            </a:extLst>
+          </p:cNvPr>
+          <p:cNvPicPr>
+            <a:picLocks noChangeAspect="1"/>
+          </p:cNvPicPr>
+          <p:nvPr/>
+        </p:nvPicPr>
+        <p:blipFill>
+          <a:blip r:embed="rId7">
+            <a:extLst>
+              <a:ext uri="{28A0092B-C50C-407E-A947-70E740481C1C}">
+                <a14:useLocalDpi xmlns:a14="http://schemas.microsoft.com/office/drawing/2010/main" val="0"/>
+              </a:ext>
+            </a:extLst>
+          </a:blip>
+          <a:srcRect l="24198" r="20510"/>
+          <a:stretch/>
+        </p:blipFill>
+        <p:spPr>
+          <a:xfrm>
+            <a:off x="775152" y="4536497"/>
+            <a:ext cx="818171" cy="832357"/>
+          </a:xfrm>
+          <a:prstGeom prst="rect">
+            <a:avLst/>
+          </a:prstGeom>
+        </p:spPr>
+      </p:pic>
+      <p:sp>
+        <p:nvSpPr>
+          <p:cNvPr id="30" name="テキスト ボックス 29">
+            <a:extLst>
+              <a:ext uri="{FF2B5EF4-FFF2-40B4-BE49-F238E27FC236}">
+                <a16:creationId xmlns:a16="http://schemas.microsoft.com/office/drawing/2014/main" id="{9AF7D9C6-0905-3235-AD26-99EB5B5EC3B5}"/>
+              </a:ext>
+            </a:extLst>
+          </p:cNvPr>
+          <p:cNvSpPr txBox="1"/>
+          <p:nvPr/>
+        </p:nvSpPr>
+        <p:spPr>
+          <a:xfrm>
+            <a:off x="1593324" y="4768009"/>
+            <a:ext cx="1051226" cy="369332"/>
+          </a:xfrm>
+          <a:prstGeom prst="rect">
+            <a:avLst/>
+          </a:prstGeom>
+          <a:noFill/>
+        </p:spPr>
+        <p:txBody>
+          <a:bodyPr wrap="square">
+            <a:spAutoFit/>
+          </a:bodyPr>
+          <a:lstStyle/>
+          <a:p>
+            <a:r>
+              <a:rPr lang="en-US" altLang="ja-JP" b="1" i="0" dirty="0">
+                <a:solidFill>
+                  <a:srgbClr val="141D2E"/>
+                </a:solidFill>
+                <a:effectLst/>
+                <a:latin typeface="__Inter_a923d8"/>
+              </a:rPr>
+              <a:t>GEMINI</a:t>
+            </a:r>
+            <a:endParaRPr lang="ja-JP" altLang="en-US" dirty="0"/>
+          </a:p>
+        </p:txBody>
+      </p:sp>
+      <p:sp>
+        <p:nvSpPr>
+          <p:cNvPr id="31" name="テキスト ボックス 30">
+            <a:extLst>
+              <a:ext uri="{FF2B5EF4-FFF2-40B4-BE49-F238E27FC236}">
+                <a16:creationId xmlns:a16="http://schemas.microsoft.com/office/drawing/2014/main" id="{DA37AEDB-8ED0-446C-0102-7404F73F88E9}"/>
+              </a:ext>
+            </a:extLst>
+          </p:cNvPr>
+          <p:cNvSpPr txBox="1"/>
+          <p:nvPr/>
+        </p:nvSpPr>
+        <p:spPr>
+          <a:xfrm>
+            <a:off x="907676" y="5495508"/>
+            <a:ext cx="1756982" cy="646331"/>
+          </a:xfrm>
+          <a:prstGeom prst="rect">
+            <a:avLst/>
+          </a:prstGeom>
+          <a:noFill/>
+        </p:spPr>
+        <p:txBody>
+          <a:bodyPr wrap="square">
+            <a:spAutoFit/>
+          </a:bodyPr>
+          <a:lstStyle/>
+          <a:p>
+            <a:pPr algn="ctr"/>
+            <a:r>
+              <a:rPr lang="en-US" altLang="ja-JP" dirty="0"/>
+              <a:t>API</a:t>
+            </a:r>
+            <a:r>
+              <a:rPr lang="ja-JP" altLang="en-US" dirty="0"/>
+              <a:t>接続可能な</a:t>
+            </a:r>
+            <a:endParaRPr lang="en-US" altLang="ja-JP" dirty="0"/>
+          </a:p>
+          <a:p>
+            <a:pPr algn="ctr"/>
+            <a:r>
+              <a:rPr lang="ja-JP" altLang="en-US" dirty="0"/>
+              <a:t>ＡＩ群</a:t>
+            </a:r>
+          </a:p>
+        </p:txBody>
+      </p:sp>
+      <p:pic>
+        <p:nvPicPr>
+          <p:cNvPr id="33" name="図 32">
+            <a:extLst>
+              <a:ext uri="{FF2B5EF4-FFF2-40B4-BE49-F238E27FC236}">
+                <a16:creationId xmlns:a16="http://schemas.microsoft.com/office/drawing/2014/main" id="{D27CCB1D-2FE7-8297-F1F3-793388FC389C}"/>
+              </a:ext>
+            </a:extLst>
+          </p:cNvPr>
+          <p:cNvPicPr>
+            <a:picLocks noChangeAspect="1"/>
+          </p:cNvPicPr>
+          <p:nvPr/>
+        </p:nvPicPr>
+        <p:blipFill>
+          <a:blip r:embed="rId8"/>
+          <a:srcRect t="13302" r="54414" b="13343"/>
+          <a:stretch/>
+        </p:blipFill>
+        <p:spPr>
+          <a:xfrm>
+            <a:off x="5338425" y="918507"/>
+            <a:ext cx="1906434" cy="796640"/>
+          </a:xfrm>
+          <a:prstGeom prst="rect">
+            <a:avLst/>
+          </a:prstGeom>
+        </p:spPr>
+      </p:pic>
+      <p:pic>
+        <p:nvPicPr>
+          <p:cNvPr id="35" name="図 34">
+            <a:extLst>
+              <a:ext uri="{FF2B5EF4-FFF2-40B4-BE49-F238E27FC236}">
+                <a16:creationId xmlns:a16="http://schemas.microsoft.com/office/drawing/2014/main" id="{FC6560B3-7FC4-AC5F-FA81-349DC42767A4}"/>
+              </a:ext>
+            </a:extLst>
+          </p:cNvPr>
+          <p:cNvPicPr>
+            <a:picLocks noChangeAspect="1"/>
+          </p:cNvPicPr>
+          <p:nvPr/>
+        </p:nvPicPr>
+        <p:blipFill>
+          <a:blip r:embed="rId9"/>
+          <a:srcRect t="7606" b="17051"/>
+          <a:stretch/>
+        </p:blipFill>
+        <p:spPr>
+          <a:xfrm>
+            <a:off x="3035241" y="906464"/>
+            <a:ext cx="2095792" cy="832572"/>
+          </a:xfrm>
+          <a:prstGeom prst="rect">
+            <a:avLst/>
+          </a:prstGeom>
+        </p:spPr>
+      </p:pic>
+      <p:pic>
+        <p:nvPicPr>
+          <p:cNvPr id="20" name="図 19">
+            <a:extLst>
+              <a:ext uri="{FF2B5EF4-FFF2-40B4-BE49-F238E27FC236}">
+                <a16:creationId xmlns:a16="http://schemas.microsoft.com/office/drawing/2014/main" id="{B3548D81-8494-CCFF-4681-E505A58ECA3E}"/>
+              </a:ext>
+            </a:extLst>
+          </p:cNvPr>
+          <p:cNvPicPr>
+            <a:picLocks noChangeAspect="1"/>
+          </p:cNvPicPr>
+          <p:nvPr/>
+        </p:nvPicPr>
+        <p:blipFill>
+          <a:blip r:embed="rId8"/>
+          <a:srcRect l="52082" t="13302" r="2239" b="13343"/>
+          <a:stretch/>
+        </p:blipFill>
+        <p:spPr>
+          <a:xfrm>
+            <a:off x="5388905" y="2232371"/>
+            <a:ext cx="1910319" cy="796640"/>
+          </a:xfrm>
+          <a:prstGeom prst="rect">
+            <a:avLst/>
+          </a:prstGeom>
+        </p:spPr>
+      </p:pic>
+      <p:pic>
+        <p:nvPicPr>
+          <p:cNvPr id="26" name="Picture 5">
+            <a:extLst>
+              <a:ext uri="{FF2B5EF4-FFF2-40B4-BE49-F238E27FC236}">
+                <a16:creationId xmlns:a16="http://schemas.microsoft.com/office/drawing/2014/main" id="{DE881740-CB83-BB23-AACD-220A93D6E86A}"/>
+              </a:ext>
+            </a:extLst>
+          </p:cNvPr>
+          <p:cNvPicPr>
+            <a:picLocks noChangeAspect="1" noChangeArrowheads="1"/>
+          </p:cNvPicPr>
+          <p:nvPr/>
+        </p:nvPicPr>
+        <p:blipFill rotWithShape="1">
+          <a:blip r:embed="rId2">
+            <a:extLst>
+              <a:ext uri="{28A0092B-C50C-407E-A947-70E740481C1C}">
+                <a14:useLocalDpi xmlns:a14="http://schemas.microsoft.com/office/drawing/2010/main" val="0"/>
+              </a:ext>
+            </a:extLst>
+          </a:blip>
+          <a:srcRect l="43516" t="32120" r="4829" b="35596"/>
+          <a:stretch/>
+        </p:blipFill>
+        <p:spPr bwMode="auto">
+          <a:xfrm>
+            <a:off x="566243" y="1290755"/>
+            <a:ext cx="2554660" cy="838252"/>
+          </a:xfrm>
+          <a:prstGeom prst="rect">
+            <a:avLst/>
+          </a:prstGeom>
+          <a:noFill/>
+          <a:extLst>
+            <a:ext uri="{909E8E84-426E-40DD-AFC4-6F175D3DCCD1}">
+              <a14:hiddenFill xmlns:a14="http://schemas.microsoft.com/office/drawing/2010/main">
+                <a:solidFill>
+                  <a:srgbClr val="FFFFFF"/>
+                </a:solidFill>
+              </a14:hiddenFill>
+            </a:ext>
+          </a:extLst>
+        </p:spPr>
+      </p:pic>
       <p:cxnSp>
         <p:nvCxnSpPr>
-          <p:cNvPr id="24" name="直線コネクタ 23">
-            <a:extLst>
-              <a:ext uri="{FF2B5EF4-FFF2-40B4-BE49-F238E27FC236}">
-                <a16:creationId xmlns:a16="http://schemas.microsoft.com/office/drawing/2014/main" id="{595496DE-2940-6CBF-FF7A-1165771D84DF}"/>
+          <p:cNvPr id="34" name="直線コネクタ 33">
+            <a:extLst>
+              <a:ext uri="{FF2B5EF4-FFF2-40B4-BE49-F238E27FC236}">
+                <a16:creationId xmlns:a16="http://schemas.microsoft.com/office/drawing/2014/main" id="{F5AC6671-0FF9-57DF-EC20-06454BA2A4F8}"/>
               </a:ext>
             </a:extLst>
           </p:cNvPr>
           <p:cNvCxnSpPr>
             <a:cxnSpLocks/>
-            <a:endCxn id="23" idx="1"/>
           </p:cNvCxnSpPr>
           <p:nvPr/>
         </p:nvCxnSpPr>
         <p:spPr>
+          <a:xfrm>
+            <a:off x="3337381" y="2257035"/>
+            <a:ext cx="0" cy="1351834"/>
+          </a:xfrm>
+          <a:prstGeom prst="line">
+            <a:avLst/>
+          </a:prstGeom>
+          <a:noFill/>
+          <a:ln w="38100">
+            <a:solidFill>
+              <a:schemeClr val="tx1"/>
+            </a:solidFill>
+            <a:prstDash val="dash"/>
+          </a:ln>
+          <a:effectLst>
+            <a:outerShdw blurRad="50800" dist="38100" dir="2700000" algn="tl" rotWithShape="0">
+              <a:prstClr val="black">
+                <a:alpha val="40000"/>
+              </a:prstClr>
+            </a:outerShdw>
+          </a:effectLst>
+        </p:spPr>
+        <p:style>
+          <a:lnRef idx="2">
+            <a:schemeClr val="accent1">
+              <a:shade val="15000"/>
+            </a:schemeClr>
+          </a:lnRef>
+          <a:fillRef idx="1">
+            <a:schemeClr val="accent1"/>
+          </a:fillRef>
+          <a:effectRef idx="0">
+            <a:schemeClr val="accent1"/>
+          </a:effectRef>
+          <a:fontRef idx="minor">
+            <a:schemeClr val="lt1"/>
+          </a:fontRef>
+        </p:style>
+      </p:cxnSp>
+      <p:cxnSp>
+        <p:nvCxnSpPr>
+          <p:cNvPr id="38" name="直線コネクタ 37">
+            <a:extLst>
+              <a:ext uri="{FF2B5EF4-FFF2-40B4-BE49-F238E27FC236}">
+                <a16:creationId xmlns:a16="http://schemas.microsoft.com/office/drawing/2014/main" id="{73F9CFA5-F3C5-7E11-E33A-5D3F7027D7E8}"/>
+              </a:ext>
+            </a:extLst>
+          </p:cNvPr>
+          <p:cNvCxnSpPr>
+            <a:cxnSpLocks/>
+            <a:stCxn id="13" idx="3"/>
+            <a:endCxn id="52" idx="1"/>
+          </p:cNvCxnSpPr>
+          <p:nvPr/>
+        </p:nvCxnSpPr>
+        <p:spPr>
           <a:xfrm flipV="1">
-            <a:off x="5933506" y="1436769"/>
-            <a:ext cx="1091699" cy="3561"/>
+            <a:off x="7331646" y="2007182"/>
+            <a:ext cx="503490" cy="3902"/>
           </a:xfrm>
           <a:prstGeom prst="line">
             <a:avLst/>
@@ -1635,57 +1993,12 @@
           </a:fontRef>
         </p:style>
       </p:cxnSp>
-      <p:sp>
-        <p:nvSpPr>
-          <p:cNvPr id="27" name="AutoShape 2">
-            <a:extLst>
-              <a:ext uri="{FF2B5EF4-FFF2-40B4-BE49-F238E27FC236}">
-                <a16:creationId xmlns:a16="http://schemas.microsoft.com/office/drawing/2014/main" id="{173FBE5D-E530-E3A4-A6AD-35F9D99E97BF}"/>
-              </a:ext>
-            </a:extLst>
-          </p:cNvPr>
-          <p:cNvSpPr>
-            <a:spLocks noChangeAspect="1" noChangeArrowheads="1"/>
-          </p:cNvSpPr>
-          <p:nvPr/>
-        </p:nvSpPr>
-        <p:spPr bwMode="auto">
-          <a:xfrm>
-            <a:off x="4800600" y="3276600"/>
-            <a:ext cx="304800" cy="304800"/>
-          </a:xfrm>
-          <a:prstGeom prst="rect">
-            <a:avLst/>
-          </a:prstGeom>
-          <a:noFill/>
-          <a:extLst>
-            <a:ext uri="{909E8E84-426E-40DD-AFC4-6F175D3DCCD1}">
-              <a14:hiddenFill xmlns:a14="http://schemas.microsoft.com/office/drawing/2010/main">
-                <a:solidFill>
-                  <a:srgbClr val="FFFFFF"/>
-                </a:solidFill>
-              </a14:hiddenFill>
-            </a:ext>
-          </a:extLst>
-        </p:spPr>
-        <p:txBody>
-          <a:bodyPr vert="horz" wrap="square" lIns="91440" tIns="45720" rIns="91440" bIns="45720" numCol="1" anchor="t" anchorCtr="0" compatLnSpc="1">
-            <a:prstTxWarp prst="textNoShape">
-              <a:avLst/>
-            </a:prstTxWarp>
-          </a:bodyPr>
-          <a:lstStyle/>
-          <a:p>
-            <a:endParaRPr lang="ja-JP" altLang="en-US"/>
-          </a:p>
-        </p:txBody>
-      </p:sp>
       <p:pic>
         <p:nvPicPr>
-          <p:cNvPr id="29" name="図 28">
-            <a:extLst>
-              <a:ext uri="{FF2B5EF4-FFF2-40B4-BE49-F238E27FC236}">
-                <a16:creationId xmlns:a16="http://schemas.microsoft.com/office/drawing/2014/main" id="{2DC853CD-84EE-3E6F-5C1F-9553C1F3FFF1}"/>
+          <p:cNvPr id="45" name="図 44">
+            <a:extLst>
+              <a:ext uri="{FF2B5EF4-FFF2-40B4-BE49-F238E27FC236}">
+                <a16:creationId xmlns:a16="http://schemas.microsoft.com/office/drawing/2014/main" id="{D23C54C6-E21B-01B4-6FFA-B7BA06E69D0E}"/>
               </a:ext>
             </a:extLst>
           </p:cNvPr>
@@ -1695,20 +2008,75 @@
           <p:nvPr/>
         </p:nvPicPr>
         <p:blipFill>
-          <a:blip r:embed="rId7">
-            <a:extLst>
-              <a:ext uri="{28A0092B-C50C-407E-A947-70E740481C1C}">
-                <a14:useLocalDpi xmlns:a14="http://schemas.microsoft.com/office/drawing/2010/main" val="0"/>
-              </a:ext>
-            </a:extLst>
-          </a:blip>
-          <a:srcRect l="24198" r="20510"/>
-          <a:stretch/>
+          <a:blip r:embed="rId10"/>
+          <a:stretch>
+            <a:fillRect/>
+          </a:stretch>
         </p:blipFill>
         <p:spPr>
           <a:xfrm>
-            <a:off x="7258260" y="552034"/>
-            <a:ext cx="818171" cy="832357"/>
+            <a:off x="8162183" y="2650511"/>
+            <a:ext cx="879484" cy="896078"/>
+          </a:xfrm>
+          <a:prstGeom prst="rect">
+            <a:avLst/>
+          </a:prstGeom>
+        </p:spPr>
+      </p:pic>
+      <p:pic>
+        <p:nvPicPr>
+          <p:cNvPr id="47" name="図 46">
+            <a:extLst>
+              <a:ext uri="{FF2B5EF4-FFF2-40B4-BE49-F238E27FC236}">
+                <a16:creationId xmlns:a16="http://schemas.microsoft.com/office/drawing/2014/main" id="{E3BEA9CF-1941-9439-8D6F-D6388056CBEB}"/>
+              </a:ext>
+            </a:extLst>
+          </p:cNvPr>
+          <p:cNvPicPr>
+            <a:picLocks noChangeAspect="1"/>
+          </p:cNvPicPr>
+          <p:nvPr/>
+        </p:nvPicPr>
+        <p:blipFill>
+          <a:blip r:embed="rId11"/>
+          <a:stretch>
+            <a:fillRect/>
+          </a:stretch>
+        </p:blipFill>
+        <p:spPr>
+          <a:xfrm>
+            <a:off x="7914064" y="1252258"/>
+            <a:ext cx="1457528" cy="371527"/>
+          </a:xfrm>
+          <a:prstGeom prst="rect">
+            <a:avLst/>
+          </a:prstGeom>
+        </p:spPr>
+      </p:pic>
+      <p:pic>
+        <p:nvPicPr>
+          <p:cNvPr id="51" name="図 50">
+            <a:extLst>
+              <a:ext uri="{FF2B5EF4-FFF2-40B4-BE49-F238E27FC236}">
+                <a16:creationId xmlns:a16="http://schemas.microsoft.com/office/drawing/2014/main" id="{7690F083-0248-B654-5C81-1FA10FA2B30C}"/>
+              </a:ext>
+            </a:extLst>
+          </p:cNvPr>
+          <p:cNvPicPr>
+            <a:picLocks noChangeAspect="1"/>
+          </p:cNvPicPr>
+          <p:nvPr/>
+        </p:nvPicPr>
+        <p:blipFill>
+          <a:blip r:embed="rId12"/>
+          <a:stretch>
+            <a:fillRect/>
+          </a:stretch>
+        </p:blipFill>
+        <p:spPr>
+          <a:xfrm>
+            <a:off x="8257011" y="1803892"/>
+            <a:ext cx="771633" cy="752580"/>
           </a:xfrm>
           <a:prstGeom prst="rect">
             <a:avLst/>
@@ -1717,10 +2085,69 @@
       </p:pic>
       <p:sp>
         <p:nvSpPr>
-          <p:cNvPr id="30" name="テキスト ボックス 29">
-            <a:extLst>
-              <a:ext uri="{FF2B5EF4-FFF2-40B4-BE49-F238E27FC236}">
-                <a16:creationId xmlns:a16="http://schemas.microsoft.com/office/drawing/2014/main" id="{9AF7D9C6-0905-3235-AD26-99EB5B5EC3B5}"/>
+          <p:cNvPr id="52" name="四角形: 角を丸くする 51">
+            <a:extLst>
+              <a:ext uri="{FF2B5EF4-FFF2-40B4-BE49-F238E27FC236}">
+                <a16:creationId xmlns:a16="http://schemas.microsoft.com/office/drawing/2014/main" id="{F3BB6454-C4A8-6F91-0209-80AECB6BC8E6}"/>
+              </a:ext>
+            </a:extLst>
+          </p:cNvPr>
+          <p:cNvSpPr/>
+          <p:nvPr/>
+        </p:nvSpPr>
+        <p:spPr>
+          <a:xfrm>
+            <a:off x="7835136" y="378548"/>
+            <a:ext cx="1574164" cy="3257268"/>
+          </a:xfrm>
+          <a:prstGeom prst="roundRect">
+            <a:avLst/>
+          </a:prstGeom>
+          <a:noFill/>
+          <a:ln w="38100">
+            <a:solidFill>
+              <a:schemeClr val="tx1"/>
+            </a:solidFill>
+          </a:ln>
+          <a:effectLst>
+            <a:outerShdw blurRad="50800" dist="38100" dir="2700000" algn="tl" rotWithShape="0">
+              <a:prstClr val="black">
+                <a:alpha val="40000"/>
+              </a:prstClr>
+            </a:outerShdw>
+          </a:effectLst>
+        </p:spPr>
+        <p:style>
+          <a:lnRef idx="2">
+            <a:schemeClr val="accent1">
+              <a:shade val="15000"/>
+            </a:schemeClr>
+          </a:lnRef>
+          <a:fillRef idx="1">
+            <a:schemeClr val="accent1"/>
+          </a:fillRef>
+          <a:effectRef idx="0">
+            <a:schemeClr val="accent1"/>
+          </a:effectRef>
+          <a:fontRef idx="minor">
+            <a:schemeClr val="lt1"/>
+          </a:fontRef>
+        </p:style>
+        <p:txBody>
+          <a:bodyPr rtlCol="0" anchor="ctr"/>
+          <a:lstStyle/>
+          <a:p>
+            <a:pPr algn="ctr"/>
+            <a:endParaRPr kumimoji="1" lang="ja-JP" altLang="en-US"/>
+          </a:p>
+        </p:txBody>
+      </p:sp>
+      <p:sp>
+        <p:nvSpPr>
+          <p:cNvPr id="61" name="テキスト ボックス 60">
+            <a:extLst>
+              <a:ext uri="{FF2B5EF4-FFF2-40B4-BE49-F238E27FC236}">
+                <a16:creationId xmlns:a16="http://schemas.microsoft.com/office/drawing/2014/main" id="{454CD844-CE08-98F5-B903-9EBA631D125A}"/>
               </a:ext>
             </a:extLst>
           </p:cNvPr>
@@ -1729,8 +2156,8 @@
         </p:nvSpPr>
         <p:spPr>
           <a:xfrm>
-            <a:off x="8076432" y="783546"/>
-            <a:ext cx="1051226" cy="369332"/>
+            <a:off x="7997968" y="551651"/>
+            <a:ext cx="1240741" cy="523220"/>
           </a:xfrm>
           <a:prstGeom prst="rect">
             <a:avLst/>
@@ -1743,126 +2170,21 @@
           </a:bodyPr>
           <a:lstStyle/>
           <a:p>
+            <a:pPr algn="ctr"/>
             <a:r>
-              <a:rPr lang="en-US" altLang="ja-JP" b="1" i="0" dirty="0">
+              <a:rPr lang="en-US" altLang="ja-JP" sz="2800" b="1" i="0" dirty="0">
                 <a:solidFill>
                   <a:srgbClr val="141D2E"/>
                 </a:solidFill>
                 <a:effectLst/>
                 <a:latin typeface="__Inter_a923d8"/>
               </a:rPr>
-              <a:t>GEMINI</a:t>
+              <a:t>UI/UX</a:t>
             </a:r>
-            <a:endParaRPr lang="ja-JP" altLang="en-US" dirty="0"/>
+            <a:endParaRPr lang="ja-JP" altLang="en-US" sz="2800" dirty="0"/>
           </a:p>
         </p:txBody>
       </p:sp>
-      <p:sp>
-        <p:nvSpPr>
-          <p:cNvPr id="31" name="テキスト ボックス 30">
-            <a:extLst>
-              <a:ext uri="{FF2B5EF4-FFF2-40B4-BE49-F238E27FC236}">
-                <a16:creationId xmlns:a16="http://schemas.microsoft.com/office/drawing/2014/main" id="{DA37AEDB-8ED0-446C-0102-7404F73F88E9}"/>
-              </a:ext>
-            </a:extLst>
-          </p:cNvPr>
-          <p:cNvSpPr txBox="1"/>
-          <p:nvPr/>
-        </p:nvSpPr>
-        <p:spPr>
-          <a:xfrm>
-            <a:off x="7390784" y="1511045"/>
-            <a:ext cx="1756982" cy="646331"/>
-          </a:xfrm>
-          <a:prstGeom prst="rect">
-            <a:avLst/>
-          </a:prstGeom>
-          <a:noFill/>
-        </p:spPr>
-        <p:txBody>
-          <a:bodyPr wrap="square">
-            <a:spAutoFit/>
-          </a:bodyPr>
-          <a:lstStyle/>
-          <a:p>
-            <a:pPr algn="ctr"/>
-            <a:r>
-              <a:rPr lang="en-US" altLang="ja-JP" dirty="0"/>
-              <a:t>API</a:t>
-            </a:r>
-            <a:r>
-              <a:rPr lang="ja-JP" altLang="en-US" dirty="0"/>
-              <a:t>接続可能な</a:t>
-            </a:r>
-            <a:endParaRPr lang="en-US" altLang="ja-JP" dirty="0"/>
-          </a:p>
-          <a:p>
-            <a:pPr algn="ctr"/>
-            <a:r>
-              <a:rPr lang="ja-JP" altLang="en-US" dirty="0"/>
-              <a:t>ＡＩ群</a:t>
-            </a:r>
-          </a:p>
-        </p:txBody>
-      </p:sp>
-      <p:pic>
-        <p:nvPicPr>
-          <p:cNvPr id="33" name="図 32">
-            <a:extLst>
-              <a:ext uri="{FF2B5EF4-FFF2-40B4-BE49-F238E27FC236}">
-                <a16:creationId xmlns:a16="http://schemas.microsoft.com/office/drawing/2014/main" id="{D27CCB1D-2FE7-8297-F1F3-793388FC389C}"/>
-              </a:ext>
-            </a:extLst>
-          </p:cNvPr>
-          <p:cNvPicPr>
-            <a:picLocks noChangeAspect="1"/>
-          </p:cNvPicPr>
-          <p:nvPr/>
-        </p:nvPicPr>
-        <p:blipFill>
-          <a:blip r:embed="rId8"/>
-          <a:srcRect t="13302" b="13343"/>
-          <a:stretch/>
-        </p:blipFill>
-        <p:spPr>
-          <a:xfrm>
-            <a:off x="1168630" y="2640982"/>
-            <a:ext cx="4182059" cy="796640"/>
-          </a:xfrm>
-          <a:prstGeom prst="rect">
-            <a:avLst/>
-          </a:prstGeom>
-        </p:spPr>
-      </p:pic>
-      <p:pic>
-        <p:nvPicPr>
-          <p:cNvPr id="35" name="図 34">
-            <a:extLst>
-              <a:ext uri="{FF2B5EF4-FFF2-40B4-BE49-F238E27FC236}">
-                <a16:creationId xmlns:a16="http://schemas.microsoft.com/office/drawing/2014/main" id="{FC6560B3-7FC4-AC5F-FA81-349DC42767A4}"/>
-              </a:ext>
-            </a:extLst>
-          </p:cNvPr>
-          <p:cNvPicPr>
-            <a:picLocks noChangeAspect="1"/>
-          </p:cNvPicPr>
-          <p:nvPr/>
-        </p:nvPicPr>
-        <p:blipFill>
-          <a:blip r:embed="rId9"/>
-          <a:srcRect t="7606" b="17051"/>
-          <a:stretch/>
-        </p:blipFill>
-        <p:spPr>
-          <a:xfrm>
-            <a:off x="3792661" y="1551782"/>
-            <a:ext cx="2095792" cy="832572"/>
-          </a:xfrm>
-          <a:prstGeom prst="rect">
-            <a:avLst/>
-          </a:prstGeom>
-        </p:spPr>
-      </p:pic>
     </p:spTree>
     <p:extLst>
       <p:ext uri="{BB962C8B-B14F-4D97-AF65-F5344CB8AC3E}">

--- a/Dify/Dify.pptx
+++ b/Dify/Dify.pptx
@@ -6,6 +6,7 @@
   </p:sldMasterIdLst>
   <p:sldIdLst>
     <p:sldId id="256" r:id="rId2"/>
+    <p:sldId id="257" r:id="rId3"/>
   </p:sldIdLst>
   <p:sldSz cx="9906000" cy="6858000" type="A4"/>
   <p:notesSz cx="9144000" cy="6858000"/>
@@ -146,7 +147,7 @@
           <a:p>
             <a:fld id="{A263A33F-51FD-4ED2-9FD3-EEA39661DBB7}" type="datetimeFigureOut">
               <a:rPr kumimoji="1" lang="ja-JP" altLang="en-US" smtClean="0"/>
-              <a:t>2025/2/16</a:t>
+              <a:t>2025/2/25</a:t>
             </a:fld>
             <a:endParaRPr kumimoji="1" lang="ja-JP" altLang="en-US"/>
           </a:p>
@@ -264,7 +265,7 @@
           <a:p>
             <a:fld id="{A263A33F-51FD-4ED2-9FD3-EEA39661DBB7}" type="datetimeFigureOut">
               <a:rPr kumimoji="1" lang="ja-JP" altLang="en-US" smtClean="0"/>
-              <a:t>2025/2/16</a:t>
+              <a:t>2025/2/25</a:t>
             </a:fld>
             <a:endParaRPr kumimoji="1" lang="ja-JP" altLang="en-US"/>
           </a:p>
@@ -2198,6 +2199,2342 @@
 </p:sld>
 </file>
 
+<file path=ppt/slides/slide2.xml><?xml version="1.0" encoding="utf-8"?>
+<p:sld xmlns:a="http://schemas.openxmlformats.org/drawingml/2006/main" xmlns:r="http://schemas.openxmlformats.org/officeDocument/2006/relationships" xmlns:p="http://schemas.openxmlformats.org/presentationml/2006/main">
+  <p:cSld>
+    <p:spTree>
+      <p:nvGrpSpPr>
+        <p:cNvPr id="1" name="">
+          <a:extLst>
+            <a:ext uri="{FF2B5EF4-FFF2-40B4-BE49-F238E27FC236}">
+              <a16:creationId xmlns:a16="http://schemas.microsoft.com/office/drawing/2014/main" id="{FC9030AD-38E5-37BA-50D3-0402C9F0756F}"/>
+            </a:ext>
+          </a:extLst>
+        </p:cNvPr>
+        <p:cNvGrpSpPr/>
+        <p:nvPr/>
+      </p:nvGrpSpPr>
+      <p:grpSpPr>
+        <a:xfrm>
+          <a:off x="0" y="0"/>
+          <a:ext cx="0" cy="0"/>
+          <a:chOff x="0" y="0"/>
+          <a:chExt cx="0" cy="0"/>
+        </a:xfrm>
+      </p:grpSpPr>
+      <p:sp>
+        <p:nvSpPr>
+          <p:cNvPr id="6" name="AutoShape 3">
+            <a:extLst>
+              <a:ext uri="{FF2B5EF4-FFF2-40B4-BE49-F238E27FC236}">
+                <a16:creationId xmlns:a16="http://schemas.microsoft.com/office/drawing/2014/main" id="{7E5DF44E-46BF-3CEE-6061-463C7D01E699}"/>
+              </a:ext>
+            </a:extLst>
+          </p:cNvPr>
+          <p:cNvSpPr>
+            <a:spLocks noChangeAspect="1" noChangeArrowheads="1"/>
+          </p:cNvSpPr>
+          <p:nvPr/>
+        </p:nvSpPr>
+        <p:spPr bwMode="auto">
+          <a:xfrm>
+            <a:off x="28654196" y="-2756079"/>
+            <a:ext cx="12768441" cy="12768442"/>
+          </a:xfrm>
+          <a:prstGeom prst="rect">
+            <a:avLst/>
+          </a:prstGeom>
+          <a:noFill/>
+          <a:extLst>
+            <a:ext uri="{909E8E84-426E-40DD-AFC4-6F175D3DCCD1}">
+              <a14:hiddenFill xmlns:a14="http://schemas.microsoft.com/office/drawing/2010/main">
+                <a:solidFill>
+                  <a:srgbClr val="FFFFFF"/>
+                </a:solidFill>
+              </a14:hiddenFill>
+            </a:ext>
+          </a:extLst>
+        </p:spPr>
+        <p:txBody>
+          <a:bodyPr vert="horz" wrap="square" lIns="91440" tIns="45720" rIns="91440" bIns="45720" numCol="1" anchor="t" anchorCtr="0" compatLnSpc="1">
+            <a:prstTxWarp prst="textNoShape">
+              <a:avLst/>
+            </a:prstTxWarp>
+          </a:bodyPr>
+          <a:lstStyle/>
+          <a:p>
+            <a:endParaRPr lang="ja-JP" altLang="en-US"/>
+          </a:p>
+        </p:txBody>
+      </p:sp>
+      <p:pic>
+        <p:nvPicPr>
+          <p:cNvPr id="10" name="図 9">
+            <a:hlinkClick r:id="rId2"/>
+            <a:extLst>
+              <a:ext uri="{FF2B5EF4-FFF2-40B4-BE49-F238E27FC236}">
+                <a16:creationId xmlns:a16="http://schemas.microsoft.com/office/drawing/2014/main" id="{37582805-9ACA-F114-8472-6F0560025BBE}"/>
+              </a:ext>
+            </a:extLst>
+          </p:cNvPr>
+          <p:cNvPicPr>
+            <a:picLocks noChangeAspect="1"/>
+          </p:cNvPicPr>
+          <p:nvPr/>
+        </p:nvPicPr>
+        <p:blipFill>
+          <a:blip r:embed="rId3"/>
+          <a:stretch>
+            <a:fillRect/>
+          </a:stretch>
+        </p:blipFill>
+        <p:spPr>
+          <a:xfrm>
+            <a:off x="7563895" y="4560493"/>
+            <a:ext cx="999241" cy="1031475"/>
+          </a:xfrm>
+          <a:prstGeom prst="rect">
+            <a:avLst/>
+          </a:prstGeom>
+        </p:spPr>
+      </p:pic>
+      <p:sp>
+        <p:nvSpPr>
+          <p:cNvPr id="12" name="テキスト ボックス 11">
+            <a:extLst>
+              <a:ext uri="{FF2B5EF4-FFF2-40B4-BE49-F238E27FC236}">
+                <a16:creationId xmlns:a16="http://schemas.microsoft.com/office/drawing/2014/main" id="{47AC9BBE-57F2-07C1-3385-D1AE3CB85EB0}"/>
+              </a:ext>
+            </a:extLst>
+          </p:cNvPr>
+          <p:cNvSpPr txBox="1"/>
+          <p:nvPr/>
+        </p:nvSpPr>
+        <p:spPr>
+          <a:xfrm>
+            <a:off x="7027019" y="5699300"/>
+            <a:ext cx="2331076" cy="923330"/>
+          </a:xfrm>
+          <a:prstGeom prst="rect">
+            <a:avLst/>
+          </a:prstGeom>
+          <a:noFill/>
+        </p:spPr>
+        <p:txBody>
+          <a:bodyPr wrap="square">
+            <a:spAutoFit/>
+          </a:bodyPr>
+          <a:lstStyle/>
+          <a:p>
+            <a:pPr algn="ctr"/>
+            <a:r>
+              <a:rPr lang="en-US" altLang="ja-JP" dirty="0">
+                <a:latin typeface="ＭＳ 明朝" panose="02020609040205080304" pitchFamily="17" charset="-128"/>
+                <a:ea typeface="ＭＳ 明朝" panose="02020609040205080304" pitchFamily="17" charset="-128"/>
+              </a:rPr>
+              <a:t>PostgreSQL</a:t>
+            </a:r>
+          </a:p>
+          <a:p>
+            <a:pPr algn="ctr"/>
+            <a:r>
+              <a:rPr lang="ja-JP" altLang="en-US" b="1" i="0" dirty="0">
+                <a:solidFill>
+                  <a:srgbClr val="141D2E"/>
+                </a:solidFill>
+                <a:effectLst/>
+                <a:latin typeface="__Inter_a923d8"/>
+              </a:rPr>
+              <a:t>外部ナレッジベース</a:t>
+            </a:r>
+          </a:p>
+          <a:p>
+            <a:pPr algn="ctr"/>
+            <a:endParaRPr lang="ja-JP" altLang="en-US" dirty="0">
+              <a:latin typeface="ＭＳ 明朝" panose="02020609040205080304" pitchFamily="17" charset="-128"/>
+              <a:ea typeface="ＭＳ 明朝" panose="02020609040205080304" pitchFamily="17" charset="-128"/>
+            </a:endParaRPr>
+          </a:p>
+        </p:txBody>
+      </p:sp>
+      <p:sp>
+        <p:nvSpPr>
+          <p:cNvPr id="14" name="四角形: 角を丸くする 13">
+            <a:extLst>
+              <a:ext uri="{FF2B5EF4-FFF2-40B4-BE49-F238E27FC236}">
+                <a16:creationId xmlns:a16="http://schemas.microsoft.com/office/drawing/2014/main" id="{3F371EC5-6463-CB77-D9D3-D4D307809AAD}"/>
+              </a:ext>
+            </a:extLst>
+          </p:cNvPr>
+          <p:cNvSpPr/>
+          <p:nvPr/>
+        </p:nvSpPr>
+        <p:spPr>
+          <a:xfrm>
+            <a:off x="6864951" y="4380386"/>
+            <a:ext cx="2493144" cy="2072119"/>
+          </a:xfrm>
+          <a:prstGeom prst="roundRect">
+            <a:avLst/>
+          </a:prstGeom>
+          <a:noFill/>
+          <a:ln w="38100">
+            <a:solidFill>
+              <a:schemeClr val="tx1"/>
+            </a:solidFill>
+          </a:ln>
+          <a:effectLst>
+            <a:outerShdw blurRad="50800" dist="38100" dir="2700000" algn="tl" rotWithShape="0">
+              <a:prstClr val="black">
+                <a:alpha val="40000"/>
+              </a:prstClr>
+            </a:outerShdw>
+          </a:effectLst>
+        </p:spPr>
+        <p:style>
+          <a:lnRef idx="2">
+            <a:schemeClr val="accent1">
+              <a:shade val="15000"/>
+            </a:schemeClr>
+          </a:lnRef>
+          <a:fillRef idx="1">
+            <a:schemeClr val="accent1"/>
+          </a:fillRef>
+          <a:effectRef idx="0">
+            <a:schemeClr val="accent1"/>
+          </a:effectRef>
+          <a:fontRef idx="minor">
+            <a:schemeClr val="lt1"/>
+          </a:fontRef>
+        </p:style>
+        <p:txBody>
+          <a:bodyPr rtlCol="0" anchor="ctr"/>
+          <a:lstStyle/>
+          <a:p>
+            <a:pPr algn="ctr"/>
+            <a:endParaRPr kumimoji="1" lang="ja-JP" altLang="en-US"/>
+          </a:p>
+        </p:txBody>
+      </p:sp>
+      <p:sp>
+        <p:nvSpPr>
+          <p:cNvPr id="3" name="テキスト ボックス 2">
+            <a:extLst>
+              <a:ext uri="{FF2B5EF4-FFF2-40B4-BE49-F238E27FC236}">
+                <a16:creationId xmlns:a16="http://schemas.microsoft.com/office/drawing/2014/main" id="{A218FF8A-F1B7-8069-34BF-2A838EFE0B68}"/>
+              </a:ext>
+            </a:extLst>
+          </p:cNvPr>
+          <p:cNvSpPr txBox="1"/>
+          <p:nvPr/>
+        </p:nvSpPr>
+        <p:spPr>
+          <a:xfrm>
+            <a:off x="3784062" y="4578715"/>
+            <a:ext cx="2129804" cy="523220"/>
+          </a:xfrm>
+          <a:prstGeom prst="rect">
+            <a:avLst/>
+          </a:prstGeom>
+          <a:noFill/>
+        </p:spPr>
+        <p:txBody>
+          <a:bodyPr wrap="square">
+            <a:spAutoFit/>
+          </a:bodyPr>
+          <a:lstStyle/>
+          <a:p>
+            <a:r>
+              <a:rPr lang="en-US" altLang="ja-JP" sz="2800" dirty="0" err="1">
+                <a:hlinkClick r:id="rId4"/>
+              </a:rPr>
+              <a:t>Dify</a:t>
+            </a:r>
+            <a:r>
+              <a:rPr lang="en-US" altLang="ja-JP" sz="2800" dirty="0">
+                <a:hlinkClick r:id="rId4"/>
+              </a:rPr>
+              <a:t>-Sandbox</a:t>
+            </a:r>
+            <a:endParaRPr lang="ja-JP" altLang="en-US" sz="2800" dirty="0"/>
+          </a:p>
+        </p:txBody>
+      </p:sp>
+      <p:sp>
+        <p:nvSpPr>
+          <p:cNvPr id="5" name="テキスト ボックス 4">
+            <a:extLst>
+              <a:ext uri="{FF2B5EF4-FFF2-40B4-BE49-F238E27FC236}">
+                <a16:creationId xmlns:a16="http://schemas.microsoft.com/office/drawing/2014/main" id="{053E4F0C-3138-0789-AA66-E1986F41DA0A}"/>
+              </a:ext>
+            </a:extLst>
+          </p:cNvPr>
+          <p:cNvSpPr txBox="1"/>
+          <p:nvPr/>
+        </p:nvSpPr>
+        <p:spPr>
+          <a:xfrm>
+            <a:off x="3974855" y="5315555"/>
+            <a:ext cx="1748218" cy="923330"/>
+          </a:xfrm>
+          <a:prstGeom prst="rect">
+            <a:avLst/>
+          </a:prstGeom>
+          <a:noFill/>
+        </p:spPr>
+        <p:txBody>
+          <a:bodyPr wrap="square">
+            <a:spAutoFit/>
+          </a:bodyPr>
+          <a:lstStyle/>
+          <a:p>
+            <a:pPr algn="ctr"/>
+            <a:r>
+              <a:rPr lang="en-US" altLang="ja-JP" dirty="0"/>
+              <a:t>Python</a:t>
+            </a:r>
+          </a:p>
+          <a:p>
+            <a:pPr algn="ctr"/>
+            <a:r>
+              <a:rPr lang="en-US" altLang="ja-JP" dirty="0"/>
+              <a:t>Node.js</a:t>
+            </a:r>
+          </a:p>
+          <a:p>
+            <a:pPr algn="ctr"/>
+            <a:r>
+              <a:rPr lang="ja-JP" altLang="en-US" dirty="0"/>
+              <a:t>実行環境</a:t>
+            </a:r>
+          </a:p>
+        </p:txBody>
+      </p:sp>
+      <p:sp>
+        <p:nvSpPr>
+          <p:cNvPr id="7" name="四角形: 角を丸くする 6">
+            <a:extLst>
+              <a:ext uri="{FF2B5EF4-FFF2-40B4-BE49-F238E27FC236}">
+                <a16:creationId xmlns:a16="http://schemas.microsoft.com/office/drawing/2014/main" id="{D7F3799A-BC6F-554F-2063-851F5D83F690}"/>
+              </a:ext>
+            </a:extLst>
+          </p:cNvPr>
+          <p:cNvSpPr/>
+          <p:nvPr/>
+        </p:nvSpPr>
+        <p:spPr>
+          <a:xfrm>
+            <a:off x="3730183" y="4380386"/>
+            <a:ext cx="2493144" cy="2072119"/>
+          </a:xfrm>
+          <a:prstGeom prst="roundRect">
+            <a:avLst/>
+          </a:prstGeom>
+          <a:noFill/>
+          <a:ln w="38100">
+            <a:solidFill>
+              <a:schemeClr val="tx1"/>
+            </a:solidFill>
+          </a:ln>
+          <a:effectLst>
+            <a:outerShdw blurRad="50800" dist="38100" dir="2700000" algn="tl" rotWithShape="0">
+              <a:prstClr val="black">
+                <a:alpha val="40000"/>
+              </a:prstClr>
+            </a:outerShdw>
+          </a:effectLst>
+        </p:spPr>
+        <p:style>
+          <a:lnRef idx="2">
+            <a:schemeClr val="accent1">
+              <a:shade val="15000"/>
+            </a:schemeClr>
+          </a:lnRef>
+          <a:fillRef idx="1">
+            <a:schemeClr val="accent1"/>
+          </a:fillRef>
+          <a:effectRef idx="0">
+            <a:schemeClr val="accent1"/>
+          </a:effectRef>
+          <a:fontRef idx="minor">
+            <a:schemeClr val="lt1"/>
+          </a:fontRef>
+        </p:style>
+        <p:txBody>
+          <a:bodyPr rtlCol="0" anchor="ctr"/>
+          <a:lstStyle/>
+          <a:p>
+            <a:pPr algn="ctr"/>
+            <a:endParaRPr kumimoji="1" lang="ja-JP" altLang="en-US"/>
+          </a:p>
+        </p:txBody>
+      </p:sp>
+      <p:cxnSp>
+        <p:nvCxnSpPr>
+          <p:cNvPr id="4" name="直線コネクタ 3">
+            <a:extLst>
+              <a:ext uri="{FF2B5EF4-FFF2-40B4-BE49-F238E27FC236}">
+                <a16:creationId xmlns:a16="http://schemas.microsoft.com/office/drawing/2014/main" id="{AC600302-8845-BB4F-1492-79464F893D0F}"/>
+              </a:ext>
+            </a:extLst>
+          </p:cNvPr>
+          <p:cNvCxnSpPr>
+            <a:cxnSpLocks/>
+            <a:endCxn id="7" idx="0"/>
+          </p:cNvCxnSpPr>
+          <p:nvPr/>
+        </p:nvCxnSpPr>
+        <p:spPr>
+          <a:xfrm>
+            <a:off x="4976755" y="3975234"/>
+            <a:ext cx="0" cy="405152"/>
+          </a:xfrm>
+          <a:prstGeom prst="line">
+            <a:avLst/>
+          </a:prstGeom>
+          <a:noFill/>
+          <a:ln w="38100">
+            <a:solidFill>
+              <a:schemeClr val="tx1"/>
+            </a:solidFill>
+          </a:ln>
+          <a:effectLst>
+            <a:outerShdw blurRad="50800" dist="38100" dir="2700000" algn="tl" rotWithShape="0">
+              <a:prstClr val="black">
+                <a:alpha val="40000"/>
+              </a:prstClr>
+            </a:outerShdw>
+          </a:effectLst>
+        </p:spPr>
+        <p:style>
+          <a:lnRef idx="2">
+            <a:schemeClr val="accent1">
+              <a:shade val="15000"/>
+            </a:schemeClr>
+          </a:lnRef>
+          <a:fillRef idx="1">
+            <a:schemeClr val="accent1"/>
+          </a:fillRef>
+          <a:effectRef idx="0">
+            <a:schemeClr val="accent1"/>
+          </a:effectRef>
+          <a:fontRef idx="minor">
+            <a:schemeClr val="lt1"/>
+          </a:fontRef>
+        </p:style>
+      </p:cxnSp>
+      <p:cxnSp>
+        <p:nvCxnSpPr>
+          <p:cNvPr id="11" name="直線コネクタ 10">
+            <a:extLst>
+              <a:ext uri="{FF2B5EF4-FFF2-40B4-BE49-F238E27FC236}">
+                <a16:creationId xmlns:a16="http://schemas.microsoft.com/office/drawing/2014/main" id="{BA89C5FD-1B8D-FA99-9560-85293C1AB7B7}"/>
+              </a:ext>
+            </a:extLst>
+          </p:cNvPr>
+          <p:cNvCxnSpPr>
+            <a:cxnSpLocks/>
+          </p:cNvCxnSpPr>
+          <p:nvPr/>
+        </p:nvCxnSpPr>
+        <p:spPr>
+          <a:xfrm>
+            <a:off x="1741063" y="4059877"/>
+            <a:ext cx="0" cy="320509"/>
+          </a:xfrm>
+          <a:prstGeom prst="line">
+            <a:avLst/>
+          </a:prstGeom>
+          <a:noFill/>
+          <a:ln w="38100">
+            <a:solidFill>
+              <a:schemeClr val="tx1"/>
+            </a:solidFill>
+          </a:ln>
+          <a:effectLst>
+            <a:outerShdw blurRad="50800" dist="38100" dir="2700000" algn="tl" rotWithShape="0">
+              <a:prstClr val="black">
+                <a:alpha val="40000"/>
+              </a:prstClr>
+            </a:outerShdw>
+          </a:effectLst>
+        </p:spPr>
+        <p:style>
+          <a:lnRef idx="2">
+            <a:schemeClr val="accent1">
+              <a:shade val="15000"/>
+            </a:schemeClr>
+          </a:lnRef>
+          <a:fillRef idx="1">
+            <a:schemeClr val="accent1"/>
+          </a:fillRef>
+          <a:effectRef idx="0">
+            <a:schemeClr val="accent1"/>
+          </a:effectRef>
+          <a:fontRef idx="minor">
+            <a:schemeClr val="lt1"/>
+          </a:fontRef>
+        </p:style>
+      </p:cxnSp>
+      <p:cxnSp>
+        <p:nvCxnSpPr>
+          <p:cNvPr id="16" name="直線コネクタ 15">
+            <a:extLst>
+              <a:ext uri="{FF2B5EF4-FFF2-40B4-BE49-F238E27FC236}">
+                <a16:creationId xmlns:a16="http://schemas.microsoft.com/office/drawing/2014/main" id="{77BBF9CB-6E3E-9C1D-615F-87094D20493C}"/>
+              </a:ext>
+            </a:extLst>
+          </p:cNvPr>
+          <p:cNvCxnSpPr>
+            <a:cxnSpLocks/>
+          </p:cNvCxnSpPr>
+          <p:nvPr/>
+        </p:nvCxnSpPr>
+        <p:spPr>
+          <a:xfrm>
+            <a:off x="8085408" y="4059877"/>
+            <a:ext cx="0" cy="320509"/>
+          </a:xfrm>
+          <a:prstGeom prst="line">
+            <a:avLst/>
+          </a:prstGeom>
+          <a:noFill/>
+          <a:ln w="38100">
+            <a:solidFill>
+              <a:schemeClr val="tx1"/>
+            </a:solidFill>
+          </a:ln>
+          <a:effectLst>
+            <a:outerShdw blurRad="50800" dist="38100" dir="2700000" algn="tl" rotWithShape="0">
+              <a:prstClr val="black">
+                <a:alpha val="40000"/>
+              </a:prstClr>
+            </a:outerShdw>
+          </a:effectLst>
+        </p:spPr>
+        <p:style>
+          <a:lnRef idx="2">
+            <a:schemeClr val="accent1">
+              <a:shade val="15000"/>
+            </a:schemeClr>
+          </a:lnRef>
+          <a:fillRef idx="1">
+            <a:schemeClr val="accent1"/>
+          </a:fillRef>
+          <a:effectRef idx="0">
+            <a:schemeClr val="accent1"/>
+          </a:effectRef>
+          <a:fontRef idx="minor">
+            <a:schemeClr val="lt1"/>
+          </a:fontRef>
+        </p:style>
+      </p:cxnSp>
+      <p:cxnSp>
+        <p:nvCxnSpPr>
+          <p:cNvPr id="18" name="直線コネクタ 17">
+            <a:extLst>
+              <a:ext uri="{FF2B5EF4-FFF2-40B4-BE49-F238E27FC236}">
+                <a16:creationId xmlns:a16="http://schemas.microsoft.com/office/drawing/2014/main" id="{407A4F31-068D-9A9A-ABF6-8F4E911789B8}"/>
+              </a:ext>
+            </a:extLst>
+          </p:cNvPr>
+          <p:cNvCxnSpPr>
+            <a:cxnSpLocks/>
+          </p:cNvCxnSpPr>
+          <p:nvPr/>
+        </p:nvCxnSpPr>
+        <p:spPr>
+          <a:xfrm>
+            <a:off x="259882" y="4059877"/>
+            <a:ext cx="9394019" cy="0"/>
+          </a:xfrm>
+          <a:prstGeom prst="line">
+            <a:avLst/>
+          </a:prstGeom>
+          <a:noFill/>
+          <a:ln w="190500">
+            <a:solidFill>
+              <a:schemeClr val="tx1"/>
+            </a:solidFill>
+          </a:ln>
+          <a:effectLst>
+            <a:outerShdw blurRad="50800" dist="38100" dir="2700000" algn="tl" rotWithShape="0">
+              <a:prstClr val="black">
+                <a:alpha val="40000"/>
+              </a:prstClr>
+            </a:outerShdw>
+          </a:effectLst>
+        </p:spPr>
+        <p:style>
+          <a:lnRef idx="2">
+            <a:schemeClr val="accent1">
+              <a:shade val="15000"/>
+            </a:schemeClr>
+          </a:lnRef>
+          <a:fillRef idx="1">
+            <a:schemeClr val="accent1"/>
+          </a:fillRef>
+          <a:effectRef idx="0">
+            <a:schemeClr val="accent1"/>
+          </a:effectRef>
+          <a:fontRef idx="minor">
+            <a:schemeClr val="lt1"/>
+          </a:fontRef>
+        </p:style>
+      </p:cxnSp>
+      <p:sp>
+        <p:nvSpPr>
+          <p:cNvPr id="23" name="四角形: 角を丸くする 22">
+            <a:extLst>
+              <a:ext uri="{FF2B5EF4-FFF2-40B4-BE49-F238E27FC236}">
+                <a16:creationId xmlns:a16="http://schemas.microsoft.com/office/drawing/2014/main" id="{6932E1E1-BB65-4A2C-CC8F-1A49E13D9071}"/>
+              </a:ext>
+            </a:extLst>
+          </p:cNvPr>
+          <p:cNvSpPr/>
+          <p:nvPr/>
+        </p:nvSpPr>
+        <p:spPr>
+          <a:xfrm>
+            <a:off x="542097" y="4380386"/>
+            <a:ext cx="2493144" cy="2081691"/>
+          </a:xfrm>
+          <a:prstGeom prst="roundRect">
+            <a:avLst/>
+          </a:prstGeom>
+          <a:noFill/>
+          <a:ln w="38100">
+            <a:solidFill>
+              <a:schemeClr val="tx1"/>
+            </a:solidFill>
+          </a:ln>
+          <a:effectLst>
+            <a:outerShdw blurRad="50800" dist="38100" dir="2700000" algn="tl" rotWithShape="0">
+              <a:prstClr val="black">
+                <a:alpha val="40000"/>
+              </a:prstClr>
+            </a:outerShdw>
+          </a:effectLst>
+        </p:spPr>
+        <p:style>
+          <a:lnRef idx="2">
+            <a:schemeClr val="accent1">
+              <a:shade val="15000"/>
+            </a:schemeClr>
+          </a:lnRef>
+          <a:fillRef idx="1">
+            <a:schemeClr val="accent1"/>
+          </a:fillRef>
+          <a:effectRef idx="0">
+            <a:schemeClr val="accent1"/>
+          </a:effectRef>
+          <a:fontRef idx="minor">
+            <a:schemeClr val="lt1"/>
+          </a:fontRef>
+        </p:style>
+        <p:txBody>
+          <a:bodyPr rtlCol="0" anchor="ctr"/>
+          <a:lstStyle/>
+          <a:p>
+            <a:pPr algn="ctr"/>
+            <a:endParaRPr kumimoji="1" lang="ja-JP" altLang="en-US"/>
+          </a:p>
+        </p:txBody>
+      </p:sp>
+      <p:pic>
+        <p:nvPicPr>
+          <p:cNvPr id="29" name="図 28">
+            <a:extLst>
+              <a:ext uri="{FF2B5EF4-FFF2-40B4-BE49-F238E27FC236}">
+                <a16:creationId xmlns:a16="http://schemas.microsoft.com/office/drawing/2014/main" id="{0D8957E0-E967-A7AC-B9A7-0619A08BFFFD}"/>
+              </a:ext>
+            </a:extLst>
+          </p:cNvPr>
+          <p:cNvPicPr>
+            <a:picLocks noChangeAspect="1"/>
+          </p:cNvPicPr>
+          <p:nvPr/>
+        </p:nvPicPr>
+        <p:blipFill>
+          <a:blip r:embed="rId5">
+            <a:extLst>
+              <a:ext uri="{28A0092B-C50C-407E-A947-70E740481C1C}">
+                <a14:useLocalDpi xmlns:a14="http://schemas.microsoft.com/office/drawing/2010/main" val="0"/>
+              </a:ext>
+            </a:extLst>
+          </a:blip>
+          <a:srcRect l="24198" r="20510"/>
+          <a:stretch/>
+        </p:blipFill>
+        <p:spPr>
+          <a:xfrm>
+            <a:off x="775152" y="4536497"/>
+            <a:ext cx="818171" cy="832357"/>
+          </a:xfrm>
+          <a:prstGeom prst="rect">
+            <a:avLst/>
+          </a:prstGeom>
+        </p:spPr>
+      </p:pic>
+      <p:sp>
+        <p:nvSpPr>
+          <p:cNvPr id="30" name="テキスト ボックス 29">
+            <a:extLst>
+              <a:ext uri="{FF2B5EF4-FFF2-40B4-BE49-F238E27FC236}">
+                <a16:creationId xmlns:a16="http://schemas.microsoft.com/office/drawing/2014/main" id="{18178ABE-D647-F54E-1EE6-614D04391693}"/>
+              </a:ext>
+            </a:extLst>
+          </p:cNvPr>
+          <p:cNvSpPr txBox="1"/>
+          <p:nvPr/>
+        </p:nvSpPr>
+        <p:spPr>
+          <a:xfrm>
+            <a:off x="1593324" y="4768009"/>
+            <a:ext cx="1051226" cy="369332"/>
+          </a:xfrm>
+          <a:prstGeom prst="rect">
+            <a:avLst/>
+          </a:prstGeom>
+          <a:noFill/>
+        </p:spPr>
+        <p:txBody>
+          <a:bodyPr wrap="square">
+            <a:spAutoFit/>
+          </a:bodyPr>
+          <a:lstStyle/>
+          <a:p>
+            <a:r>
+              <a:rPr lang="en-US" altLang="ja-JP" b="1" i="0" dirty="0">
+                <a:solidFill>
+                  <a:srgbClr val="141D2E"/>
+                </a:solidFill>
+                <a:effectLst/>
+                <a:latin typeface="__Inter_a923d8"/>
+              </a:rPr>
+              <a:t>GEMINI</a:t>
+            </a:r>
+            <a:endParaRPr lang="ja-JP" altLang="en-US" dirty="0"/>
+          </a:p>
+        </p:txBody>
+      </p:sp>
+      <p:sp>
+        <p:nvSpPr>
+          <p:cNvPr id="31" name="テキスト ボックス 30">
+            <a:extLst>
+              <a:ext uri="{FF2B5EF4-FFF2-40B4-BE49-F238E27FC236}">
+                <a16:creationId xmlns:a16="http://schemas.microsoft.com/office/drawing/2014/main" id="{42927FFF-A176-A2FC-B304-D88DCAAEFCFE}"/>
+              </a:ext>
+            </a:extLst>
+          </p:cNvPr>
+          <p:cNvSpPr txBox="1"/>
+          <p:nvPr/>
+        </p:nvSpPr>
+        <p:spPr>
+          <a:xfrm>
+            <a:off x="907676" y="5495508"/>
+            <a:ext cx="1756982" cy="646331"/>
+          </a:xfrm>
+          <a:prstGeom prst="rect">
+            <a:avLst/>
+          </a:prstGeom>
+          <a:noFill/>
+        </p:spPr>
+        <p:txBody>
+          <a:bodyPr wrap="square">
+            <a:spAutoFit/>
+          </a:bodyPr>
+          <a:lstStyle/>
+          <a:p>
+            <a:pPr algn="ctr"/>
+            <a:r>
+              <a:rPr lang="en-US" altLang="ja-JP" dirty="0"/>
+              <a:t>API</a:t>
+            </a:r>
+            <a:r>
+              <a:rPr lang="ja-JP" altLang="en-US" dirty="0"/>
+              <a:t>接続可能な</a:t>
+            </a:r>
+            <a:endParaRPr lang="en-US" altLang="ja-JP" dirty="0"/>
+          </a:p>
+          <a:p>
+            <a:pPr algn="ctr"/>
+            <a:r>
+              <a:rPr lang="ja-JP" altLang="en-US" dirty="0"/>
+              <a:t>ＡＩ群</a:t>
+            </a:r>
+          </a:p>
+        </p:txBody>
+      </p:sp>
+      <p:grpSp>
+        <p:nvGrpSpPr>
+          <p:cNvPr id="54" name="グループ化 53">
+            <a:extLst>
+              <a:ext uri="{FF2B5EF4-FFF2-40B4-BE49-F238E27FC236}">
+                <a16:creationId xmlns:a16="http://schemas.microsoft.com/office/drawing/2014/main" id="{114137D7-6D3D-C9D8-B128-D5839D8C68E0}"/>
+              </a:ext>
+            </a:extLst>
+          </p:cNvPr>
+          <p:cNvGrpSpPr/>
+          <p:nvPr/>
+        </p:nvGrpSpPr>
+        <p:grpSpPr>
+          <a:xfrm>
+            <a:off x="547894" y="409955"/>
+            <a:ext cx="2027543" cy="3230322"/>
+            <a:chOff x="425561" y="395923"/>
+            <a:chExt cx="2027543" cy="3230322"/>
+          </a:xfrm>
+        </p:grpSpPr>
+        <p:pic>
+          <p:nvPicPr>
+            <p:cNvPr id="26" name="Picture 5">
+              <a:extLst>
+                <a:ext uri="{FF2B5EF4-FFF2-40B4-BE49-F238E27FC236}">
+                  <a16:creationId xmlns:a16="http://schemas.microsoft.com/office/drawing/2014/main" id="{10A93BF8-79FB-8612-7E10-68D2CCC6F7B3}"/>
+                </a:ext>
+              </a:extLst>
+            </p:cNvPr>
+            <p:cNvPicPr>
+              <a:picLocks noChangeAspect="1" noChangeArrowheads="1"/>
+            </p:cNvPicPr>
+            <p:nvPr/>
+          </p:nvPicPr>
+          <p:blipFill rotWithShape="1">
+            <a:blip r:embed="rId6">
+              <a:extLst>
+                <a:ext uri="{28A0092B-C50C-407E-A947-70E740481C1C}">
+                  <a14:useLocalDpi xmlns:a14="http://schemas.microsoft.com/office/drawing/2010/main" val="0"/>
+                </a:ext>
+              </a:extLst>
+            </a:blip>
+            <a:srcRect l="43516" t="32120" r="4829" b="35596"/>
+            <a:stretch/>
+          </p:blipFill>
+          <p:spPr bwMode="auto">
+            <a:xfrm>
+              <a:off x="566243" y="1443481"/>
+              <a:ext cx="1871743" cy="685526"/>
+            </a:xfrm>
+            <a:prstGeom prst="rect">
+              <a:avLst/>
+            </a:prstGeom>
+            <a:noFill/>
+            <a:extLst>
+              <a:ext uri="{909E8E84-426E-40DD-AFC4-6F175D3DCCD1}">
+                <a14:hiddenFill xmlns:a14="http://schemas.microsoft.com/office/drawing/2010/main">
+                  <a:solidFill>
+                    <a:srgbClr val="FFFFFF"/>
+                  </a:solidFill>
+                </a14:hiddenFill>
+              </a:ext>
+            </a:extLst>
+          </p:spPr>
+        </p:pic>
+        <p:pic>
+          <p:nvPicPr>
+            <p:cNvPr id="1029" name="Picture 5">
+              <a:extLst>
+                <a:ext uri="{FF2B5EF4-FFF2-40B4-BE49-F238E27FC236}">
+                  <a16:creationId xmlns:a16="http://schemas.microsoft.com/office/drawing/2014/main" id="{67C19719-8BCC-2BCD-F09B-15630F3FA702}"/>
+                </a:ext>
+              </a:extLst>
+            </p:cNvPr>
+            <p:cNvPicPr>
+              <a:picLocks noChangeAspect="1" noChangeArrowheads="1"/>
+            </p:cNvPicPr>
+            <p:nvPr/>
+          </p:nvPicPr>
+          <p:blipFill rotWithShape="1">
+            <a:blip r:embed="rId6">
+              <a:extLst>
+                <a:ext uri="{28A0092B-C50C-407E-A947-70E740481C1C}">
+                  <a14:useLocalDpi xmlns:a14="http://schemas.microsoft.com/office/drawing/2010/main" val="0"/>
+                </a:ext>
+              </a:extLst>
+            </a:blip>
+            <a:srcRect t="32120" r="60486" b="35596"/>
+            <a:stretch/>
+          </p:blipFill>
+          <p:spPr bwMode="auto">
+            <a:xfrm>
+              <a:off x="496584" y="646295"/>
+              <a:ext cx="1709277" cy="733172"/>
+            </a:xfrm>
+            <a:prstGeom prst="rect">
+              <a:avLst/>
+            </a:prstGeom>
+            <a:noFill/>
+            <a:extLst>
+              <a:ext uri="{909E8E84-426E-40DD-AFC4-6F175D3DCCD1}">
+                <a14:hiddenFill xmlns:a14="http://schemas.microsoft.com/office/drawing/2010/main">
+                  <a:solidFill>
+                    <a:srgbClr val="FFFFFF"/>
+                  </a:solidFill>
+                </a14:hiddenFill>
+              </a:ext>
+            </a:extLst>
+          </p:spPr>
+        </p:pic>
+        <p:sp>
+          <p:nvSpPr>
+            <p:cNvPr id="13" name="四角形: 角を丸くする 12">
+              <a:extLst>
+                <a:ext uri="{FF2B5EF4-FFF2-40B4-BE49-F238E27FC236}">
+                  <a16:creationId xmlns:a16="http://schemas.microsoft.com/office/drawing/2014/main" id="{586BE2F8-1178-7300-8364-3821E5CF762A}"/>
+                </a:ext>
+              </a:extLst>
+            </p:cNvPr>
+            <p:cNvSpPr/>
+            <p:nvPr/>
+          </p:nvSpPr>
+          <p:spPr>
+            <a:xfrm>
+              <a:off x="425561" y="395923"/>
+              <a:ext cx="2012424" cy="3230322"/>
+            </a:xfrm>
+            <a:prstGeom prst="roundRect">
+              <a:avLst/>
+            </a:prstGeom>
+            <a:noFill/>
+            <a:ln w="38100">
+              <a:solidFill>
+                <a:schemeClr val="tx1"/>
+              </a:solidFill>
+            </a:ln>
+            <a:effectLst>
+              <a:outerShdw blurRad="50800" dist="38100" dir="2700000" algn="tl" rotWithShape="0">
+                <a:prstClr val="black">
+                  <a:alpha val="40000"/>
+                </a:prstClr>
+              </a:outerShdw>
+            </a:effectLst>
+          </p:spPr>
+          <p:style>
+            <a:lnRef idx="2">
+              <a:schemeClr val="accent1">
+                <a:shade val="15000"/>
+              </a:schemeClr>
+            </a:lnRef>
+            <a:fillRef idx="1">
+              <a:schemeClr val="accent1"/>
+            </a:fillRef>
+            <a:effectRef idx="0">
+              <a:schemeClr val="accent1"/>
+            </a:effectRef>
+            <a:fontRef idx="minor">
+              <a:schemeClr val="lt1"/>
+            </a:fontRef>
+          </p:style>
+          <p:txBody>
+            <a:bodyPr rtlCol="0" anchor="ctr"/>
+            <a:lstStyle/>
+            <a:p>
+              <a:pPr algn="ctr"/>
+              <a:endParaRPr kumimoji="1" lang="ja-JP" altLang="en-US"/>
+            </a:p>
+          </p:txBody>
+        </p:sp>
+        <p:sp>
+          <p:nvSpPr>
+            <p:cNvPr id="15" name="テキスト ボックス 14">
+              <a:extLst>
+                <a:ext uri="{FF2B5EF4-FFF2-40B4-BE49-F238E27FC236}">
+                  <a16:creationId xmlns:a16="http://schemas.microsoft.com/office/drawing/2014/main" id="{37F1B161-77D4-43CE-5FE1-C9E4B9E900D9}"/>
+                </a:ext>
+              </a:extLst>
+            </p:cNvPr>
+            <p:cNvSpPr txBox="1"/>
+            <p:nvPr/>
+          </p:nvSpPr>
+          <p:spPr>
+            <a:xfrm>
+              <a:off x="591821" y="2444279"/>
+              <a:ext cx="1861283" cy="369332"/>
+            </a:xfrm>
+            <a:prstGeom prst="rect">
+              <a:avLst/>
+            </a:prstGeom>
+            <a:noFill/>
+          </p:spPr>
+          <p:txBody>
+            <a:bodyPr wrap="square">
+              <a:spAutoFit/>
+            </a:bodyPr>
+            <a:lstStyle/>
+            <a:p>
+              <a:r>
+                <a:rPr lang="ja-JP" altLang="en-US" b="1" i="0" dirty="0">
+                  <a:solidFill>
+                    <a:srgbClr val="141D2E"/>
+                  </a:solidFill>
+                  <a:effectLst/>
+                  <a:latin typeface="__Inter_a923d8"/>
+                </a:rPr>
+                <a:t>ナレッジベース</a:t>
+              </a:r>
+              <a:endParaRPr lang="ja-JP" altLang="en-US" dirty="0"/>
+            </a:p>
+          </p:txBody>
+        </p:sp>
+        <p:cxnSp>
+          <p:nvCxnSpPr>
+            <p:cNvPr id="17" name="直線コネクタ 16">
+              <a:extLst>
+                <a:ext uri="{FF2B5EF4-FFF2-40B4-BE49-F238E27FC236}">
+                  <a16:creationId xmlns:a16="http://schemas.microsoft.com/office/drawing/2014/main" id="{D787D9B6-C4BA-0191-748B-5F33762D1043}"/>
+                </a:ext>
+              </a:extLst>
+            </p:cNvPr>
+            <p:cNvCxnSpPr>
+              <a:cxnSpLocks/>
+            </p:cNvCxnSpPr>
+            <p:nvPr/>
+          </p:nvCxnSpPr>
+          <p:spPr>
+            <a:xfrm>
+              <a:off x="442177" y="2257035"/>
+              <a:ext cx="1995808" cy="0"/>
+            </a:xfrm>
+            <a:prstGeom prst="line">
+              <a:avLst/>
+            </a:prstGeom>
+            <a:noFill/>
+            <a:ln w="38100">
+              <a:solidFill>
+                <a:schemeClr val="tx1"/>
+              </a:solidFill>
+              <a:prstDash val="dash"/>
+            </a:ln>
+            <a:effectLst>
+              <a:outerShdw blurRad="50800" dist="38100" dir="2700000" algn="tl" rotWithShape="0">
+                <a:prstClr val="black">
+                  <a:alpha val="40000"/>
+                </a:prstClr>
+              </a:outerShdw>
+            </a:effectLst>
+          </p:spPr>
+          <p:style>
+            <a:lnRef idx="2">
+              <a:schemeClr val="accent1">
+                <a:shade val="15000"/>
+              </a:schemeClr>
+            </a:lnRef>
+            <a:fillRef idx="1">
+              <a:schemeClr val="accent1"/>
+            </a:fillRef>
+            <a:effectRef idx="0">
+              <a:schemeClr val="accent1"/>
+            </a:effectRef>
+            <a:fontRef idx="minor">
+              <a:schemeClr val="lt1"/>
+            </a:fontRef>
+          </p:style>
+        </p:cxnSp>
+        <p:sp>
+          <p:nvSpPr>
+            <p:cNvPr id="19" name="テキスト ボックス 18">
+              <a:hlinkClick r:id="rId7"/>
+              <a:extLst>
+                <a:ext uri="{FF2B5EF4-FFF2-40B4-BE49-F238E27FC236}">
+                  <a16:creationId xmlns:a16="http://schemas.microsoft.com/office/drawing/2014/main" id="{E8C609EF-B6AB-07FA-F3BF-9C2E2FE5F1A6}"/>
+                </a:ext>
+              </a:extLst>
+            </p:cNvPr>
+            <p:cNvSpPr txBox="1"/>
+            <p:nvPr/>
+          </p:nvSpPr>
+          <p:spPr>
+            <a:xfrm>
+              <a:off x="677649" y="2825033"/>
+              <a:ext cx="1400070" cy="646331"/>
+            </a:xfrm>
+            <a:prstGeom prst="rect">
+              <a:avLst/>
+            </a:prstGeom>
+            <a:noFill/>
+          </p:spPr>
+          <p:txBody>
+            <a:bodyPr wrap="square">
+              <a:spAutoFit/>
+            </a:bodyPr>
+            <a:lstStyle/>
+            <a:p>
+              <a:pPr algn="l" fontAlgn="ctr"/>
+              <a:r>
+                <a:rPr lang="ja-JP" altLang="en-US" b="0" i="0" dirty="0">
+                  <a:solidFill>
+                    <a:srgbClr val="141D2E"/>
+                  </a:solidFill>
+                  <a:effectLst/>
+                  <a:latin typeface="__Inter_a923d8"/>
+                </a:rPr>
+                <a:t>文章・画像</a:t>
+              </a:r>
+              <a:endParaRPr lang="en-US" altLang="ja-JP" b="0" i="0" dirty="0">
+                <a:solidFill>
+                  <a:srgbClr val="141D2E"/>
+                </a:solidFill>
+                <a:effectLst/>
+                <a:latin typeface="__Inter_a923d8"/>
+              </a:endParaRPr>
+            </a:p>
+            <a:p>
+              <a:pPr algn="l" fontAlgn="ctr"/>
+              <a:r>
+                <a:rPr lang="ja-JP" altLang="en-US" b="0" i="0" dirty="0">
+                  <a:solidFill>
+                    <a:srgbClr val="141D2E"/>
+                  </a:solidFill>
+                  <a:effectLst/>
+                  <a:latin typeface="__Inter_a923d8"/>
+                </a:rPr>
+                <a:t>音声・映像</a:t>
+              </a:r>
+              <a:endParaRPr lang="en-US" altLang="ja-JP" b="0" i="0" dirty="0">
+                <a:solidFill>
+                  <a:srgbClr val="141D2E"/>
+                </a:solidFill>
+                <a:effectLst/>
+                <a:latin typeface="__Inter_a923d8"/>
+              </a:endParaRPr>
+            </a:p>
+          </p:txBody>
+        </p:sp>
+      </p:grpSp>
+      <p:cxnSp>
+        <p:nvCxnSpPr>
+          <p:cNvPr id="42" name="直線コネクタ 41">
+            <a:extLst>
+              <a:ext uri="{FF2B5EF4-FFF2-40B4-BE49-F238E27FC236}">
+                <a16:creationId xmlns:a16="http://schemas.microsoft.com/office/drawing/2014/main" id="{3DBD1E7C-040D-71F8-D16E-4D72BEFFFE31}"/>
+              </a:ext>
+            </a:extLst>
+          </p:cNvPr>
+          <p:cNvCxnSpPr>
+            <a:cxnSpLocks/>
+          </p:cNvCxnSpPr>
+          <p:nvPr/>
+        </p:nvCxnSpPr>
+        <p:spPr>
+          <a:xfrm>
+            <a:off x="1570930" y="3640277"/>
+            <a:ext cx="0" cy="433632"/>
+          </a:xfrm>
+          <a:prstGeom prst="line">
+            <a:avLst/>
+          </a:prstGeom>
+          <a:noFill/>
+          <a:ln w="38100">
+            <a:solidFill>
+              <a:schemeClr val="tx1"/>
+            </a:solidFill>
+          </a:ln>
+          <a:effectLst>
+            <a:outerShdw blurRad="50800" dist="38100" dir="2700000" algn="tl" rotWithShape="0">
+              <a:prstClr val="black">
+                <a:alpha val="40000"/>
+              </a:prstClr>
+            </a:outerShdw>
+          </a:effectLst>
+        </p:spPr>
+        <p:style>
+          <a:lnRef idx="2">
+            <a:schemeClr val="accent1">
+              <a:shade val="15000"/>
+            </a:schemeClr>
+          </a:lnRef>
+          <a:fillRef idx="1">
+            <a:schemeClr val="accent1"/>
+          </a:fillRef>
+          <a:effectRef idx="0">
+            <a:schemeClr val="accent1"/>
+          </a:effectRef>
+          <a:fontRef idx="minor">
+            <a:schemeClr val="lt1"/>
+          </a:fontRef>
+        </p:style>
+      </p:cxnSp>
+      <p:cxnSp>
+        <p:nvCxnSpPr>
+          <p:cNvPr id="44" name="直線コネクタ 43">
+            <a:extLst>
+              <a:ext uri="{FF2B5EF4-FFF2-40B4-BE49-F238E27FC236}">
+                <a16:creationId xmlns:a16="http://schemas.microsoft.com/office/drawing/2014/main" id="{6322E8FF-8D8C-62FF-B99F-5635BF7C849D}"/>
+              </a:ext>
+            </a:extLst>
+          </p:cNvPr>
+          <p:cNvCxnSpPr>
+            <a:cxnSpLocks/>
+          </p:cNvCxnSpPr>
+          <p:nvPr/>
+        </p:nvCxnSpPr>
+        <p:spPr>
+          <a:xfrm>
+            <a:off x="8309026" y="3625851"/>
+            <a:ext cx="0" cy="433632"/>
+          </a:xfrm>
+          <a:prstGeom prst="line">
+            <a:avLst/>
+          </a:prstGeom>
+          <a:noFill/>
+          <a:ln w="38100">
+            <a:solidFill>
+              <a:schemeClr val="tx1"/>
+            </a:solidFill>
+          </a:ln>
+          <a:effectLst>
+            <a:outerShdw blurRad="50800" dist="38100" dir="2700000" algn="tl" rotWithShape="0">
+              <a:prstClr val="black">
+                <a:alpha val="40000"/>
+              </a:prstClr>
+            </a:outerShdw>
+          </a:effectLst>
+        </p:spPr>
+        <p:style>
+          <a:lnRef idx="2">
+            <a:schemeClr val="accent1">
+              <a:shade val="15000"/>
+            </a:schemeClr>
+          </a:lnRef>
+          <a:fillRef idx="1">
+            <a:schemeClr val="accent1"/>
+          </a:fillRef>
+          <a:effectRef idx="0">
+            <a:schemeClr val="accent1"/>
+          </a:effectRef>
+          <a:fontRef idx="minor">
+            <a:schemeClr val="lt1"/>
+          </a:fontRef>
+        </p:style>
+      </p:cxnSp>
+      <p:grpSp>
+        <p:nvGrpSpPr>
+          <p:cNvPr id="1046" name="グループ化 1045">
+            <a:extLst>
+              <a:ext uri="{FF2B5EF4-FFF2-40B4-BE49-F238E27FC236}">
+                <a16:creationId xmlns:a16="http://schemas.microsoft.com/office/drawing/2014/main" id="{6E800A6D-FB5F-BA98-803B-7D9FE2212B0A}"/>
+              </a:ext>
+            </a:extLst>
+          </p:cNvPr>
+          <p:cNvGrpSpPr/>
+          <p:nvPr/>
+        </p:nvGrpSpPr>
+        <p:grpSpPr>
+          <a:xfrm>
+            <a:off x="2759023" y="409955"/>
+            <a:ext cx="2027543" cy="3230322"/>
+            <a:chOff x="425561" y="395923"/>
+            <a:chExt cx="2027543" cy="3230322"/>
+          </a:xfrm>
+        </p:grpSpPr>
+        <p:pic>
+          <p:nvPicPr>
+            <p:cNvPr id="1047" name="Picture 5">
+              <a:extLst>
+                <a:ext uri="{FF2B5EF4-FFF2-40B4-BE49-F238E27FC236}">
+                  <a16:creationId xmlns:a16="http://schemas.microsoft.com/office/drawing/2014/main" id="{1CE3104E-4FB8-33EC-B81A-7AD1A57E24D0}"/>
+                </a:ext>
+              </a:extLst>
+            </p:cNvPr>
+            <p:cNvPicPr>
+              <a:picLocks noChangeAspect="1" noChangeArrowheads="1"/>
+            </p:cNvPicPr>
+            <p:nvPr/>
+          </p:nvPicPr>
+          <p:blipFill rotWithShape="1">
+            <a:blip r:embed="rId6">
+              <a:extLst>
+                <a:ext uri="{28A0092B-C50C-407E-A947-70E740481C1C}">
+                  <a14:useLocalDpi xmlns:a14="http://schemas.microsoft.com/office/drawing/2010/main" val="0"/>
+                </a:ext>
+              </a:extLst>
+            </a:blip>
+            <a:srcRect l="43516" t="32120" r="4829" b="35596"/>
+            <a:stretch/>
+          </p:blipFill>
+          <p:spPr bwMode="auto">
+            <a:xfrm>
+              <a:off x="566243" y="1443481"/>
+              <a:ext cx="1871743" cy="685526"/>
+            </a:xfrm>
+            <a:prstGeom prst="rect">
+              <a:avLst/>
+            </a:prstGeom>
+            <a:noFill/>
+            <a:extLst>
+              <a:ext uri="{909E8E84-426E-40DD-AFC4-6F175D3DCCD1}">
+                <a14:hiddenFill xmlns:a14="http://schemas.microsoft.com/office/drawing/2010/main">
+                  <a:solidFill>
+                    <a:srgbClr val="FFFFFF"/>
+                  </a:solidFill>
+                </a14:hiddenFill>
+              </a:ext>
+            </a:extLst>
+          </p:spPr>
+        </p:pic>
+        <p:pic>
+          <p:nvPicPr>
+            <p:cNvPr id="1048" name="Picture 5">
+              <a:extLst>
+                <a:ext uri="{FF2B5EF4-FFF2-40B4-BE49-F238E27FC236}">
+                  <a16:creationId xmlns:a16="http://schemas.microsoft.com/office/drawing/2014/main" id="{9E3D2E69-3ACF-81E2-D011-93E3AA1E9965}"/>
+                </a:ext>
+              </a:extLst>
+            </p:cNvPr>
+            <p:cNvPicPr>
+              <a:picLocks noChangeAspect="1" noChangeArrowheads="1"/>
+            </p:cNvPicPr>
+            <p:nvPr/>
+          </p:nvPicPr>
+          <p:blipFill rotWithShape="1">
+            <a:blip r:embed="rId6">
+              <a:extLst>
+                <a:ext uri="{28A0092B-C50C-407E-A947-70E740481C1C}">
+                  <a14:useLocalDpi xmlns:a14="http://schemas.microsoft.com/office/drawing/2010/main" val="0"/>
+                </a:ext>
+              </a:extLst>
+            </a:blip>
+            <a:srcRect t="32120" r="60486" b="35596"/>
+            <a:stretch/>
+          </p:blipFill>
+          <p:spPr bwMode="auto">
+            <a:xfrm>
+              <a:off x="496584" y="646295"/>
+              <a:ext cx="1709277" cy="733172"/>
+            </a:xfrm>
+            <a:prstGeom prst="rect">
+              <a:avLst/>
+            </a:prstGeom>
+            <a:noFill/>
+            <a:extLst>
+              <a:ext uri="{909E8E84-426E-40DD-AFC4-6F175D3DCCD1}">
+                <a14:hiddenFill xmlns:a14="http://schemas.microsoft.com/office/drawing/2010/main">
+                  <a:solidFill>
+                    <a:srgbClr val="FFFFFF"/>
+                  </a:solidFill>
+                </a14:hiddenFill>
+              </a:ext>
+            </a:extLst>
+          </p:spPr>
+        </p:pic>
+        <p:sp>
+          <p:nvSpPr>
+            <p:cNvPr id="1049" name="四角形: 角を丸くする 1048">
+              <a:extLst>
+                <a:ext uri="{FF2B5EF4-FFF2-40B4-BE49-F238E27FC236}">
+                  <a16:creationId xmlns:a16="http://schemas.microsoft.com/office/drawing/2014/main" id="{F7C903FB-54BF-A5C7-E569-317557E593AB}"/>
+                </a:ext>
+              </a:extLst>
+            </p:cNvPr>
+            <p:cNvSpPr/>
+            <p:nvPr/>
+          </p:nvSpPr>
+          <p:spPr>
+            <a:xfrm>
+              <a:off x="425561" y="395923"/>
+              <a:ext cx="2012424" cy="3230322"/>
+            </a:xfrm>
+            <a:prstGeom prst="roundRect">
+              <a:avLst/>
+            </a:prstGeom>
+            <a:noFill/>
+            <a:ln w="38100">
+              <a:solidFill>
+                <a:schemeClr val="tx1"/>
+              </a:solidFill>
+            </a:ln>
+            <a:effectLst>
+              <a:outerShdw blurRad="50800" dist="38100" dir="2700000" algn="tl" rotWithShape="0">
+                <a:prstClr val="black">
+                  <a:alpha val="40000"/>
+                </a:prstClr>
+              </a:outerShdw>
+            </a:effectLst>
+          </p:spPr>
+          <p:style>
+            <a:lnRef idx="2">
+              <a:schemeClr val="accent1">
+                <a:shade val="15000"/>
+              </a:schemeClr>
+            </a:lnRef>
+            <a:fillRef idx="1">
+              <a:schemeClr val="accent1"/>
+            </a:fillRef>
+            <a:effectRef idx="0">
+              <a:schemeClr val="accent1"/>
+            </a:effectRef>
+            <a:fontRef idx="minor">
+              <a:schemeClr val="lt1"/>
+            </a:fontRef>
+          </p:style>
+          <p:txBody>
+            <a:bodyPr rtlCol="0" anchor="ctr"/>
+            <a:lstStyle/>
+            <a:p>
+              <a:pPr algn="ctr"/>
+              <a:endParaRPr kumimoji="1" lang="ja-JP" altLang="en-US"/>
+            </a:p>
+          </p:txBody>
+        </p:sp>
+        <p:sp>
+          <p:nvSpPr>
+            <p:cNvPr id="1050" name="テキスト ボックス 1049">
+              <a:extLst>
+                <a:ext uri="{FF2B5EF4-FFF2-40B4-BE49-F238E27FC236}">
+                  <a16:creationId xmlns:a16="http://schemas.microsoft.com/office/drawing/2014/main" id="{CE87290B-D371-945A-DF6C-1B270CB4B050}"/>
+                </a:ext>
+              </a:extLst>
+            </p:cNvPr>
+            <p:cNvSpPr txBox="1"/>
+            <p:nvPr/>
+          </p:nvSpPr>
+          <p:spPr>
+            <a:xfrm>
+              <a:off x="591821" y="2444279"/>
+              <a:ext cx="1861283" cy="369332"/>
+            </a:xfrm>
+            <a:prstGeom prst="rect">
+              <a:avLst/>
+            </a:prstGeom>
+            <a:noFill/>
+          </p:spPr>
+          <p:txBody>
+            <a:bodyPr wrap="square">
+              <a:spAutoFit/>
+            </a:bodyPr>
+            <a:lstStyle/>
+            <a:p>
+              <a:r>
+                <a:rPr lang="ja-JP" altLang="en-US" b="1" i="0" dirty="0">
+                  <a:solidFill>
+                    <a:srgbClr val="141D2E"/>
+                  </a:solidFill>
+                  <a:effectLst/>
+                  <a:latin typeface="__Inter_a923d8"/>
+                </a:rPr>
+                <a:t>ナレッジベース</a:t>
+              </a:r>
+              <a:endParaRPr lang="ja-JP" altLang="en-US" dirty="0"/>
+            </a:p>
+          </p:txBody>
+        </p:sp>
+        <p:cxnSp>
+          <p:nvCxnSpPr>
+            <p:cNvPr id="1051" name="直線コネクタ 1050">
+              <a:extLst>
+                <a:ext uri="{FF2B5EF4-FFF2-40B4-BE49-F238E27FC236}">
+                  <a16:creationId xmlns:a16="http://schemas.microsoft.com/office/drawing/2014/main" id="{D53D6133-80A1-D32C-BFC5-D92712C0A32D}"/>
+                </a:ext>
+              </a:extLst>
+            </p:cNvPr>
+            <p:cNvCxnSpPr>
+              <a:cxnSpLocks/>
+            </p:cNvCxnSpPr>
+            <p:nvPr/>
+          </p:nvCxnSpPr>
+          <p:spPr>
+            <a:xfrm>
+              <a:off x="442177" y="2257035"/>
+              <a:ext cx="1995808" cy="0"/>
+            </a:xfrm>
+            <a:prstGeom prst="line">
+              <a:avLst/>
+            </a:prstGeom>
+            <a:noFill/>
+            <a:ln w="38100">
+              <a:solidFill>
+                <a:schemeClr val="tx1"/>
+              </a:solidFill>
+              <a:prstDash val="dash"/>
+            </a:ln>
+            <a:effectLst>
+              <a:outerShdw blurRad="50800" dist="38100" dir="2700000" algn="tl" rotWithShape="0">
+                <a:prstClr val="black">
+                  <a:alpha val="40000"/>
+                </a:prstClr>
+              </a:outerShdw>
+            </a:effectLst>
+          </p:spPr>
+          <p:style>
+            <a:lnRef idx="2">
+              <a:schemeClr val="accent1">
+                <a:shade val="15000"/>
+              </a:schemeClr>
+            </a:lnRef>
+            <a:fillRef idx="1">
+              <a:schemeClr val="accent1"/>
+            </a:fillRef>
+            <a:effectRef idx="0">
+              <a:schemeClr val="accent1"/>
+            </a:effectRef>
+            <a:fontRef idx="minor">
+              <a:schemeClr val="lt1"/>
+            </a:fontRef>
+          </p:style>
+        </p:cxnSp>
+        <p:sp>
+          <p:nvSpPr>
+            <p:cNvPr id="1052" name="テキスト ボックス 1051">
+              <a:hlinkClick r:id="rId7"/>
+              <a:extLst>
+                <a:ext uri="{FF2B5EF4-FFF2-40B4-BE49-F238E27FC236}">
+                  <a16:creationId xmlns:a16="http://schemas.microsoft.com/office/drawing/2014/main" id="{6C7F5293-1069-FF5E-F66C-6D68C645F59E}"/>
+                </a:ext>
+              </a:extLst>
+            </p:cNvPr>
+            <p:cNvSpPr txBox="1"/>
+            <p:nvPr/>
+          </p:nvSpPr>
+          <p:spPr>
+            <a:xfrm>
+              <a:off x="677649" y="2825033"/>
+              <a:ext cx="1400070" cy="646331"/>
+            </a:xfrm>
+            <a:prstGeom prst="rect">
+              <a:avLst/>
+            </a:prstGeom>
+            <a:noFill/>
+          </p:spPr>
+          <p:txBody>
+            <a:bodyPr wrap="square">
+              <a:spAutoFit/>
+            </a:bodyPr>
+            <a:lstStyle/>
+            <a:p>
+              <a:pPr algn="l" fontAlgn="ctr"/>
+              <a:r>
+                <a:rPr lang="ja-JP" altLang="en-US" b="0" i="0" dirty="0">
+                  <a:solidFill>
+                    <a:srgbClr val="141D2E"/>
+                  </a:solidFill>
+                  <a:effectLst/>
+                  <a:latin typeface="__Inter_a923d8"/>
+                </a:rPr>
+                <a:t>文章・画像</a:t>
+              </a:r>
+              <a:endParaRPr lang="en-US" altLang="ja-JP" b="0" i="0" dirty="0">
+                <a:solidFill>
+                  <a:srgbClr val="141D2E"/>
+                </a:solidFill>
+                <a:effectLst/>
+                <a:latin typeface="__Inter_a923d8"/>
+              </a:endParaRPr>
+            </a:p>
+            <a:p>
+              <a:pPr algn="l" fontAlgn="ctr"/>
+              <a:r>
+                <a:rPr lang="ja-JP" altLang="en-US" b="0" i="0" dirty="0">
+                  <a:solidFill>
+                    <a:srgbClr val="141D2E"/>
+                  </a:solidFill>
+                  <a:effectLst/>
+                  <a:latin typeface="__Inter_a923d8"/>
+                </a:rPr>
+                <a:t>音声・映像</a:t>
+              </a:r>
+              <a:endParaRPr lang="en-US" altLang="ja-JP" b="0" i="0" dirty="0">
+                <a:solidFill>
+                  <a:srgbClr val="141D2E"/>
+                </a:solidFill>
+                <a:effectLst/>
+                <a:latin typeface="__Inter_a923d8"/>
+              </a:endParaRPr>
+            </a:p>
+          </p:txBody>
+        </p:sp>
+      </p:grpSp>
+      <p:grpSp>
+        <p:nvGrpSpPr>
+          <p:cNvPr id="1053" name="グループ化 1052">
+            <a:extLst>
+              <a:ext uri="{FF2B5EF4-FFF2-40B4-BE49-F238E27FC236}">
+                <a16:creationId xmlns:a16="http://schemas.microsoft.com/office/drawing/2014/main" id="{6B7C8202-8B38-A120-25ED-D094F0FBAA28}"/>
+              </a:ext>
+            </a:extLst>
+          </p:cNvPr>
+          <p:cNvGrpSpPr/>
+          <p:nvPr/>
+        </p:nvGrpSpPr>
+        <p:grpSpPr>
+          <a:xfrm>
+            <a:off x="5017809" y="395529"/>
+            <a:ext cx="2027543" cy="3230322"/>
+            <a:chOff x="425561" y="395923"/>
+            <a:chExt cx="2027543" cy="3230322"/>
+          </a:xfrm>
+        </p:grpSpPr>
+        <p:pic>
+          <p:nvPicPr>
+            <p:cNvPr id="1054" name="Picture 5">
+              <a:extLst>
+                <a:ext uri="{FF2B5EF4-FFF2-40B4-BE49-F238E27FC236}">
+                  <a16:creationId xmlns:a16="http://schemas.microsoft.com/office/drawing/2014/main" id="{ECA4375C-EDAA-D436-C0CF-BAF9D75C73B2}"/>
+                </a:ext>
+              </a:extLst>
+            </p:cNvPr>
+            <p:cNvPicPr>
+              <a:picLocks noChangeAspect="1" noChangeArrowheads="1"/>
+            </p:cNvPicPr>
+            <p:nvPr/>
+          </p:nvPicPr>
+          <p:blipFill rotWithShape="1">
+            <a:blip r:embed="rId6">
+              <a:extLst>
+                <a:ext uri="{28A0092B-C50C-407E-A947-70E740481C1C}">
+                  <a14:useLocalDpi xmlns:a14="http://schemas.microsoft.com/office/drawing/2010/main" val="0"/>
+                </a:ext>
+              </a:extLst>
+            </a:blip>
+            <a:srcRect l="43516" t="32120" r="4829" b="35596"/>
+            <a:stretch/>
+          </p:blipFill>
+          <p:spPr bwMode="auto">
+            <a:xfrm>
+              <a:off x="566243" y="1443481"/>
+              <a:ext cx="1871743" cy="685526"/>
+            </a:xfrm>
+            <a:prstGeom prst="rect">
+              <a:avLst/>
+            </a:prstGeom>
+            <a:noFill/>
+            <a:extLst>
+              <a:ext uri="{909E8E84-426E-40DD-AFC4-6F175D3DCCD1}">
+                <a14:hiddenFill xmlns:a14="http://schemas.microsoft.com/office/drawing/2010/main">
+                  <a:solidFill>
+                    <a:srgbClr val="FFFFFF"/>
+                  </a:solidFill>
+                </a14:hiddenFill>
+              </a:ext>
+            </a:extLst>
+          </p:spPr>
+        </p:pic>
+        <p:pic>
+          <p:nvPicPr>
+            <p:cNvPr id="1055" name="Picture 5">
+              <a:extLst>
+                <a:ext uri="{FF2B5EF4-FFF2-40B4-BE49-F238E27FC236}">
+                  <a16:creationId xmlns:a16="http://schemas.microsoft.com/office/drawing/2014/main" id="{1A62F427-C0D6-FAD4-7AE1-24F348FDCEE8}"/>
+                </a:ext>
+              </a:extLst>
+            </p:cNvPr>
+            <p:cNvPicPr>
+              <a:picLocks noChangeAspect="1" noChangeArrowheads="1"/>
+            </p:cNvPicPr>
+            <p:nvPr/>
+          </p:nvPicPr>
+          <p:blipFill rotWithShape="1">
+            <a:blip r:embed="rId6">
+              <a:extLst>
+                <a:ext uri="{28A0092B-C50C-407E-A947-70E740481C1C}">
+                  <a14:useLocalDpi xmlns:a14="http://schemas.microsoft.com/office/drawing/2010/main" val="0"/>
+                </a:ext>
+              </a:extLst>
+            </a:blip>
+            <a:srcRect t="32120" r="60486" b="35596"/>
+            <a:stretch/>
+          </p:blipFill>
+          <p:spPr bwMode="auto">
+            <a:xfrm>
+              <a:off x="496584" y="646295"/>
+              <a:ext cx="1709277" cy="733172"/>
+            </a:xfrm>
+            <a:prstGeom prst="rect">
+              <a:avLst/>
+            </a:prstGeom>
+            <a:noFill/>
+            <a:extLst>
+              <a:ext uri="{909E8E84-426E-40DD-AFC4-6F175D3DCCD1}">
+                <a14:hiddenFill xmlns:a14="http://schemas.microsoft.com/office/drawing/2010/main">
+                  <a:solidFill>
+                    <a:srgbClr val="FFFFFF"/>
+                  </a:solidFill>
+                </a14:hiddenFill>
+              </a:ext>
+            </a:extLst>
+          </p:spPr>
+        </p:pic>
+        <p:sp>
+          <p:nvSpPr>
+            <p:cNvPr id="1056" name="四角形: 角を丸くする 1055">
+              <a:extLst>
+                <a:ext uri="{FF2B5EF4-FFF2-40B4-BE49-F238E27FC236}">
+                  <a16:creationId xmlns:a16="http://schemas.microsoft.com/office/drawing/2014/main" id="{A67C73F8-DABC-6841-5A16-2A953EE1E50B}"/>
+                </a:ext>
+              </a:extLst>
+            </p:cNvPr>
+            <p:cNvSpPr/>
+            <p:nvPr/>
+          </p:nvSpPr>
+          <p:spPr>
+            <a:xfrm>
+              <a:off x="425561" y="395923"/>
+              <a:ext cx="2012424" cy="3230322"/>
+            </a:xfrm>
+            <a:prstGeom prst="roundRect">
+              <a:avLst/>
+            </a:prstGeom>
+            <a:noFill/>
+            <a:ln w="38100">
+              <a:solidFill>
+                <a:schemeClr val="tx1"/>
+              </a:solidFill>
+            </a:ln>
+            <a:effectLst>
+              <a:outerShdw blurRad="50800" dist="38100" dir="2700000" algn="tl" rotWithShape="0">
+                <a:prstClr val="black">
+                  <a:alpha val="40000"/>
+                </a:prstClr>
+              </a:outerShdw>
+            </a:effectLst>
+          </p:spPr>
+          <p:style>
+            <a:lnRef idx="2">
+              <a:schemeClr val="accent1">
+                <a:shade val="15000"/>
+              </a:schemeClr>
+            </a:lnRef>
+            <a:fillRef idx="1">
+              <a:schemeClr val="accent1"/>
+            </a:fillRef>
+            <a:effectRef idx="0">
+              <a:schemeClr val="accent1"/>
+            </a:effectRef>
+            <a:fontRef idx="minor">
+              <a:schemeClr val="lt1"/>
+            </a:fontRef>
+          </p:style>
+          <p:txBody>
+            <a:bodyPr rtlCol="0" anchor="ctr"/>
+            <a:lstStyle/>
+            <a:p>
+              <a:pPr algn="ctr"/>
+              <a:endParaRPr kumimoji="1" lang="ja-JP" altLang="en-US"/>
+            </a:p>
+          </p:txBody>
+        </p:sp>
+        <p:sp>
+          <p:nvSpPr>
+            <p:cNvPr id="1057" name="テキスト ボックス 1056">
+              <a:extLst>
+                <a:ext uri="{FF2B5EF4-FFF2-40B4-BE49-F238E27FC236}">
+                  <a16:creationId xmlns:a16="http://schemas.microsoft.com/office/drawing/2014/main" id="{97AFAA59-1E61-8AED-FFE2-7FC68857A2FA}"/>
+                </a:ext>
+              </a:extLst>
+            </p:cNvPr>
+            <p:cNvSpPr txBox="1"/>
+            <p:nvPr/>
+          </p:nvSpPr>
+          <p:spPr>
+            <a:xfrm>
+              <a:off x="591821" y="2444279"/>
+              <a:ext cx="1861283" cy="369332"/>
+            </a:xfrm>
+            <a:prstGeom prst="rect">
+              <a:avLst/>
+            </a:prstGeom>
+            <a:noFill/>
+          </p:spPr>
+          <p:txBody>
+            <a:bodyPr wrap="square">
+              <a:spAutoFit/>
+            </a:bodyPr>
+            <a:lstStyle/>
+            <a:p>
+              <a:r>
+                <a:rPr lang="ja-JP" altLang="en-US" b="1" i="0" dirty="0">
+                  <a:solidFill>
+                    <a:srgbClr val="141D2E"/>
+                  </a:solidFill>
+                  <a:effectLst/>
+                  <a:latin typeface="__Inter_a923d8"/>
+                </a:rPr>
+                <a:t>ナレッジベース</a:t>
+              </a:r>
+              <a:endParaRPr lang="ja-JP" altLang="en-US" dirty="0"/>
+            </a:p>
+          </p:txBody>
+        </p:sp>
+        <p:cxnSp>
+          <p:nvCxnSpPr>
+            <p:cNvPr id="1058" name="直線コネクタ 1057">
+              <a:extLst>
+                <a:ext uri="{FF2B5EF4-FFF2-40B4-BE49-F238E27FC236}">
+                  <a16:creationId xmlns:a16="http://schemas.microsoft.com/office/drawing/2014/main" id="{F002AC87-4C93-205D-04F9-32C032125D5F}"/>
+                </a:ext>
+              </a:extLst>
+            </p:cNvPr>
+            <p:cNvCxnSpPr>
+              <a:cxnSpLocks/>
+            </p:cNvCxnSpPr>
+            <p:nvPr/>
+          </p:nvCxnSpPr>
+          <p:spPr>
+            <a:xfrm>
+              <a:off x="442177" y="2257035"/>
+              <a:ext cx="1995808" cy="0"/>
+            </a:xfrm>
+            <a:prstGeom prst="line">
+              <a:avLst/>
+            </a:prstGeom>
+            <a:noFill/>
+            <a:ln w="38100">
+              <a:solidFill>
+                <a:schemeClr val="tx1"/>
+              </a:solidFill>
+              <a:prstDash val="dash"/>
+            </a:ln>
+            <a:effectLst>
+              <a:outerShdw blurRad="50800" dist="38100" dir="2700000" algn="tl" rotWithShape="0">
+                <a:prstClr val="black">
+                  <a:alpha val="40000"/>
+                </a:prstClr>
+              </a:outerShdw>
+            </a:effectLst>
+          </p:spPr>
+          <p:style>
+            <a:lnRef idx="2">
+              <a:schemeClr val="accent1">
+                <a:shade val="15000"/>
+              </a:schemeClr>
+            </a:lnRef>
+            <a:fillRef idx="1">
+              <a:schemeClr val="accent1"/>
+            </a:fillRef>
+            <a:effectRef idx="0">
+              <a:schemeClr val="accent1"/>
+            </a:effectRef>
+            <a:fontRef idx="minor">
+              <a:schemeClr val="lt1"/>
+            </a:fontRef>
+          </p:style>
+        </p:cxnSp>
+        <p:sp>
+          <p:nvSpPr>
+            <p:cNvPr id="1059" name="テキスト ボックス 1058">
+              <a:hlinkClick r:id="rId7"/>
+              <a:extLst>
+                <a:ext uri="{FF2B5EF4-FFF2-40B4-BE49-F238E27FC236}">
+                  <a16:creationId xmlns:a16="http://schemas.microsoft.com/office/drawing/2014/main" id="{18F32225-E127-343C-FD5C-A164684BD637}"/>
+                </a:ext>
+              </a:extLst>
+            </p:cNvPr>
+            <p:cNvSpPr txBox="1"/>
+            <p:nvPr/>
+          </p:nvSpPr>
+          <p:spPr>
+            <a:xfrm>
+              <a:off x="677649" y="2825033"/>
+              <a:ext cx="1400070" cy="646331"/>
+            </a:xfrm>
+            <a:prstGeom prst="rect">
+              <a:avLst/>
+            </a:prstGeom>
+            <a:noFill/>
+          </p:spPr>
+          <p:txBody>
+            <a:bodyPr wrap="square">
+              <a:spAutoFit/>
+            </a:bodyPr>
+            <a:lstStyle/>
+            <a:p>
+              <a:pPr algn="l" fontAlgn="ctr"/>
+              <a:r>
+                <a:rPr lang="ja-JP" altLang="en-US" b="0" i="0" dirty="0">
+                  <a:solidFill>
+                    <a:srgbClr val="141D2E"/>
+                  </a:solidFill>
+                  <a:effectLst/>
+                  <a:latin typeface="__Inter_a923d8"/>
+                </a:rPr>
+                <a:t>文章・画像</a:t>
+              </a:r>
+              <a:endParaRPr lang="en-US" altLang="ja-JP" b="0" i="0" dirty="0">
+                <a:solidFill>
+                  <a:srgbClr val="141D2E"/>
+                </a:solidFill>
+                <a:effectLst/>
+                <a:latin typeface="__Inter_a923d8"/>
+              </a:endParaRPr>
+            </a:p>
+            <a:p>
+              <a:pPr algn="l" fontAlgn="ctr"/>
+              <a:r>
+                <a:rPr lang="ja-JP" altLang="en-US" b="0" i="0" dirty="0">
+                  <a:solidFill>
+                    <a:srgbClr val="141D2E"/>
+                  </a:solidFill>
+                  <a:effectLst/>
+                  <a:latin typeface="__Inter_a923d8"/>
+                </a:rPr>
+                <a:t>音声・映像</a:t>
+              </a:r>
+              <a:endParaRPr lang="en-US" altLang="ja-JP" b="0" i="0" dirty="0">
+                <a:solidFill>
+                  <a:srgbClr val="141D2E"/>
+                </a:solidFill>
+                <a:effectLst/>
+                <a:latin typeface="__Inter_a923d8"/>
+              </a:endParaRPr>
+            </a:p>
+          </p:txBody>
+        </p:sp>
+      </p:grpSp>
+      <p:grpSp>
+        <p:nvGrpSpPr>
+          <p:cNvPr id="1060" name="グループ化 1059">
+            <a:extLst>
+              <a:ext uri="{FF2B5EF4-FFF2-40B4-BE49-F238E27FC236}">
+                <a16:creationId xmlns:a16="http://schemas.microsoft.com/office/drawing/2014/main" id="{2EF1C566-82E3-8B34-C7B7-F8FC80AB9619}"/>
+              </a:ext>
+            </a:extLst>
+          </p:cNvPr>
+          <p:cNvGrpSpPr/>
+          <p:nvPr/>
+        </p:nvGrpSpPr>
+        <p:grpSpPr>
+          <a:xfrm>
+            <a:off x="7305341" y="409955"/>
+            <a:ext cx="2027543" cy="3230322"/>
+            <a:chOff x="425561" y="395923"/>
+            <a:chExt cx="2027543" cy="3230322"/>
+          </a:xfrm>
+        </p:grpSpPr>
+        <p:pic>
+          <p:nvPicPr>
+            <p:cNvPr id="1061" name="Picture 5">
+              <a:extLst>
+                <a:ext uri="{FF2B5EF4-FFF2-40B4-BE49-F238E27FC236}">
+                  <a16:creationId xmlns:a16="http://schemas.microsoft.com/office/drawing/2014/main" id="{6C19E2A9-CEA0-57FD-431A-F130A9E01035}"/>
+                </a:ext>
+              </a:extLst>
+            </p:cNvPr>
+            <p:cNvPicPr>
+              <a:picLocks noChangeAspect="1" noChangeArrowheads="1"/>
+            </p:cNvPicPr>
+            <p:nvPr/>
+          </p:nvPicPr>
+          <p:blipFill rotWithShape="1">
+            <a:blip r:embed="rId6">
+              <a:extLst>
+                <a:ext uri="{28A0092B-C50C-407E-A947-70E740481C1C}">
+                  <a14:useLocalDpi xmlns:a14="http://schemas.microsoft.com/office/drawing/2010/main" val="0"/>
+                </a:ext>
+              </a:extLst>
+            </a:blip>
+            <a:srcRect l="43516" t="32120" r="4829" b="35596"/>
+            <a:stretch/>
+          </p:blipFill>
+          <p:spPr bwMode="auto">
+            <a:xfrm>
+              <a:off x="566243" y="1443481"/>
+              <a:ext cx="1871743" cy="685526"/>
+            </a:xfrm>
+            <a:prstGeom prst="rect">
+              <a:avLst/>
+            </a:prstGeom>
+            <a:noFill/>
+            <a:extLst>
+              <a:ext uri="{909E8E84-426E-40DD-AFC4-6F175D3DCCD1}">
+                <a14:hiddenFill xmlns:a14="http://schemas.microsoft.com/office/drawing/2010/main">
+                  <a:solidFill>
+                    <a:srgbClr val="FFFFFF"/>
+                  </a:solidFill>
+                </a14:hiddenFill>
+              </a:ext>
+            </a:extLst>
+          </p:spPr>
+        </p:pic>
+        <p:pic>
+          <p:nvPicPr>
+            <p:cNvPr id="1062" name="Picture 5">
+              <a:extLst>
+                <a:ext uri="{FF2B5EF4-FFF2-40B4-BE49-F238E27FC236}">
+                  <a16:creationId xmlns:a16="http://schemas.microsoft.com/office/drawing/2014/main" id="{D5977586-2E88-276B-CA31-878570640D78}"/>
+                </a:ext>
+              </a:extLst>
+            </p:cNvPr>
+            <p:cNvPicPr>
+              <a:picLocks noChangeAspect="1" noChangeArrowheads="1"/>
+            </p:cNvPicPr>
+            <p:nvPr/>
+          </p:nvPicPr>
+          <p:blipFill rotWithShape="1">
+            <a:blip r:embed="rId6">
+              <a:extLst>
+                <a:ext uri="{28A0092B-C50C-407E-A947-70E740481C1C}">
+                  <a14:useLocalDpi xmlns:a14="http://schemas.microsoft.com/office/drawing/2010/main" val="0"/>
+                </a:ext>
+              </a:extLst>
+            </a:blip>
+            <a:srcRect t="32120" r="60486" b="35596"/>
+            <a:stretch/>
+          </p:blipFill>
+          <p:spPr bwMode="auto">
+            <a:xfrm>
+              <a:off x="496584" y="646295"/>
+              <a:ext cx="1709277" cy="733172"/>
+            </a:xfrm>
+            <a:prstGeom prst="rect">
+              <a:avLst/>
+            </a:prstGeom>
+            <a:noFill/>
+            <a:extLst>
+              <a:ext uri="{909E8E84-426E-40DD-AFC4-6F175D3DCCD1}">
+                <a14:hiddenFill xmlns:a14="http://schemas.microsoft.com/office/drawing/2010/main">
+                  <a:solidFill>
+                    <a:srgbClr val="FFFFFF"/>
+                  </a:solidFill>
+                </a14:hiddenFill>
+              </a:ext>
+            </a:extLst>
+          </p:spPr>
+        </p:pic>
+        <p:sp>
+          <p:nvSpPr>
+            <p:cNvPr id="1063" name="四角形: 角を丸くする 1062">
+              <a:extLst>
+                <a:ext uri="{FF2B5EF4-FFF2-40B4-BE49-F238E27FC236}">
+                  <a16:creationId xmlns:a16="http://schemas.microsoft.com/office/drawing/2014/main" id="{2846B214-3E09-BFEE-908C-CF15CED03811}"/>
+                </a:ext>
+              </a:extLst>
+            </p:cNvPr>
+            <p:cNvSpPr/>
+            <p:nvPr/>
+          </p:nvSpPr>
+          <p:spPr>
+            <a:xfrm>
+              <a:off x="425561" y="395923"/>
+              <a:ext cx="2012424" cy="3230322"/>
+            </a:xfrm>
+            <a:prstGeom prst="roundRect">
+              <a:avLst/>
+            </a:prstGeom>
+            <a:noFill/>
+            <a:ln w="38100">
+              <a:solidFill>
+                <a:schemeClr val="tx1"/>
+              </a:solidFill>
+            </a:ln>
+            <a:effectLst>
+              <a:outerShdw blurRad="50800" dist="38100" dir="2700000" algn="tl" rotWithShape="0">
+                <a:prstClr val="black">
+                  <a:alpha val="40000"/>
+                </a:prstClr>
+              </a:outerShdw>
+            </a:effectLst>
+          </p:spPr>
+          <p:style>
+            <a:lnRef idx="2">
+              <a:schemeClr val="accent1">
+                <a:shade val="15000"/>
+              </a:schemeClr>
+            </a:lnRef>
+            <a:fillRef idx="1">
+              <a:schemeClr val="accent1"/>
+            </a:fillRef>
+            <a:effectRef idx="0">
+              <a:schemeClr val="accent1"/>
+            </a:effectRef>
+            <a:fontRef idx="minor">
+              <a:schemeClr val="lt1"/>
+            </a:fontRef>
+          </p:style>
+          <p:txBody>
+            <a:bodyPr rtlCol="0" anchor="ctr"/>
+            <a:lstStyle/>
+            <a:p>
+              <a:pPr algn="ctr"/>
+              <a:endParaRPr kumimoji="1" lang="ja-JP" altLang="en-US"/>
+            </a:p>
+          </p:txBody>
+        </p:sp>
+        <p:sp>
+          <p:nvSpPr>
+            <p:cNvPr id="1064" name="テキスト ボックス 1063">
+              <a:extLst>
+                <a:ext uri="{FF2B5EF4-FFF2-40B4-BE49-F238E27FC236}">
+                  <a16:creationId xmlns:a16="http://schemas.microsoft.com/office/drawing/2014/main" id="{25E1C4CA-BB26-5263-9E7E-73D8BA2C5315}"/>
+                </a:ext>
+              </a:extLst>
+            </p:cNvPr>
+            <p:cNvSpPr txBox="1"/>
+            <p:nvPr/>
+          </p:nvSpPr>
+          <p:spPr>
+            <a:xfrm>
+              <a:off x="591821" y="2444279"/>
+              <a:ext cx="1861283" cy="369332"/>
+            </a:xfrm>
+            <a:prstGeom prst="rect">
+              <a:avLst/>
+            </a:prstGeom>
+            <a:noFill/>
+          </p:spPr>
+          <p:txBody>
+            <a:bodyPr wrap="square">
+              <a:spAutoFit/>
+            </a:bodyPr>
+            <a:lstStyle/>
+            <a:p>
+              <a:r>
+                <a:rPr lang="ja-JP" altLang="en-US" b="1" i="0" dirty="0">
+                  <a:solidFill>
+                    <a:srgbClr val="141D2E"/>
+                  </a:solidFill>
+                  <a:effectLst/>
+                  <a:latin typeface="__Inter_a923d8"/>
+                </a:rPr>
+                <a:t>ナレッジベース</a:t>
+              </a:r>
+              <a:endParaRPr lang="ja-JP" altLang="en-US" dirty="0"/>
+            </a:p>
+          </p:txBody>
+        </p:sp>
+        <p:cxnSp>
+          <p:nvCxnSpPr>
+            <p:cNvPr id="1065" name="直線コネクタ 1064">
+              <a:extLst>
+                <a:ext uri="{FF2B5EF4-FFF2-40B4-BE49-F238E27FC236}">
+                  <a16:creationId xmlns:a16="http://schemas.microsoft.com/office/drawing/2014/main" id="{E169D003-6909-B954-759B-1F47AADDB609}"/>
+                </a:ext>
+              </a:extLst>
+            </p:cNvPr>
+            <p:cNvCxnSpPr>
+              <a:cxnSpLocks/>
+            </p:cNvCxnSpPr>
+            <p:nvPr/>
+          </p:nvCxnSpPr>
+          <p:spPr>
+            <a:xfrm>
+              <a:off x="442177" y="2257035"/>
+              <a:ext cx="1995808" cy="0"/>
+            </a:xfrm>
+            <a:prstGeom prst="line">
+              <a:avLst/>
+            </a:prstGeom>
+            <a:noFill/>
+            <a:ln w="38100">
+              <a:solidFill>
+                <a:schemeClr val="tx1"/>
+              </a:solidFill>
+              <a:prstDash val="dash"/>
+            </a:ln>
+            <a:effectLst>
+              <a:outerShdw blurRad="50800" dist="38100" dir="2700000" algn="tl" rotWithShape="0">
+                <a:prstClr val="black">
+                  <a:alpha val="40000"/>
+                </a:prstClr>
+              </a:outerShdw>
+            </a:effectLst>
+          </p:spPr>
+          <p:style>
+            <a:lnRef idx="2">
+              <a:schemeClr val="accent1">
+                <a:shade val="15000"/>
+              </a:schemeClr>
+            </a:lnRef>
+            <a:fillRef idx="1">
+              <a:schemeClr val="accent1"/>
+            </a:fillRef>
+            <a:effectRef idx="0">
+              <a:schemeClr val="accent1"/>
+            </a:effectRef>
+            <a:fontRef idx="minor">
+              <a:schemeClr val="lt1"/>
+            </a:fontRef>
+          </p:style>
+        </p:cxnSp>
+        <p:sp>
+          <p:nvSpPr>
+            <p:cNvPr id="1066" name="テキスト ボックス 1065">
+              <a:hlinkClick r:id="rId7"/>
+              <a:extLst>
+                <a:ext uri="{FF2B5EF4-FFF2-40B4-BE49-F238E27FC236}">
+                  <a16:creationId xmlns:a16="http://schemas.microsoft.com/office/drawing/2014/main" id="{17E05B03-93EE-E1A7-7F1C-772EB3C31CF6}"/>
+                </a:ext>
+              </a:extLst>
+            </p:cNvPr>
+            <p:cNvSpPr txBox="1"/>
+            <p:nvPr/>
+          </p:nvSpPr>
+          <p:spPr>
+            <a:xfrm>
+              <a:off x="677649" y="2825033"/>
+              <a:ext cx="1400070" cy="646331"/>
+            </a:xfrm>
+            <a:prstGeom prst="rect">
+              <a:avLst/>
+            </a:prstGeom>
+            <a:noFill/>
+          </p:spPr>
+          <p:txBody>
+            <a:bodyPr wrap="square">
+              <a:spAutoFit/>
+            </a:bodyPr>
+            <a:lstStyle/>
+            <a:p>
+              <a:pPr algn="l" fontAlgn="ctr"/>
+              <a:r>
+                <a:rPr lang="ja-JP" altLang="en-US" b="0" i="0" dirty="0">
+                  <a:solidFill>
+                    <a:srgbClr val="141D2E"/>
+                  </a:solidFill>
+                  <a:effectLst/>
+                  <a:latin typeface="__Inter_a923d8"/>
+                </a:rPr>
+                <a:t>文章・画像</a:t>
+              </a:r>
+              <a:endParaRPr lang="en-US" altLang="ja-JP" b="0" i="0" dirty="0">
+                <a:solidFill>
+                  <a:srgbClr val="141D2E"/>
+                </a:solidFill>
+                <a:effectLst/>
+                <a:latin typeface="__Inter_a923d8"/>
+              </a:endParaRPr>
+            </a:p>
+            <a:p>
+              <a:pPr algn="l" fontAlgn="ctr"/>
+              <a:r>
+                <a:rPr lang="ja-JP" altLang="en-US" b="0" i="0" dirty="0">
+                  <a:solidFill>
+                    <a:srgbClr val="141D2E"/>
+                  </a:solidFill>
+                  <a:effectLst/>
+                  <a:latin typeface="__Inter_a923d8"/>
+                </a:rPr>
+                <a:t>音声・映像</a:t>
+              </a:r>
+              <a:endParaRPr lang="en-US" altLang="ja-JP" b="0" i="0" dirty="0">
+                <a:solidFill>
+                  <a:srgbClr val="141D2E"/>
+                </a:solidFill>
+                <a:effectLst/>
+                <a:latin typeface="__Inter_a923d8"/>
+              </a:endParaRPr>
+            </a:p>
+          </p:txBody>
+        </p:sp>
+      </p:grpSp>
+      <p:cxnSp>
+        <p:nvCxnSpPr>
+          <p:cNvPr id="1067" name="直線コネクタ 1066">
+            <a:extLst>
+              <a:ext uri="{FF2B5EF4-FFF2-40B4-BE49-F238E27FC236}">
+                <a16:creationId xmlns:a16="http://schemas.microsoft.com/office/drawing/2014/main" id="{C31E0394-AF3F-6503-B281-BE9B93AA4AE3}"/>
+              </a:ext>
+            </a:extLst>
+          </p:cNvPr>
+          <p:cNvCxnSpPr>
+            <a:cxnSpLocks/>
+          </p:cNvCxnSpPr>
+          <p:nvPr/>
+        </p:nvCxnSpPr>
+        <p:spPr>
+          <a:xfrm>
+            <a:off x="3711146" y="3640277"/>
+            <a:ext cx="0" cy="433632"/>
+          </a:xfrm>
+          <a:prstGeom prst="line">
+            <a:avLst/>
+          </a:prstGeom>
+          <a:noFill/>
+          <a:ln w="38100">
+            <a:solidFill>
+              <a:schemeClr val="tx1"/>
+            </a:solidFill>
+          </a:ln>
+          <a:effectLst>
+            <a:outerShdw blurRad="50800" dist="38100" dir="2700000" algn="tl" rotWithShape="0">
+              <a:prstClr val="black">
+                <a:alpha val="40000"/>
+              </a:prstClr>
+            </a:outerShdw>
+          </a:effectLst>
+        </p:spPr>
+        <p:style>
+          <a:lnRef idx="2">
+            <a:schemeClr val="accent1">
+              <a:shade val="15000"/>
+            </a:schemeClr>
+          </a:lnRef>
+          <a:fillRef idx="1">
+            <a:schemeClr val="accent1"/>
+          </a:fillRef>
+          <a:effectRef idx="0">
+            <a:schemeClr val="accent1"/>
+          </a:effectRef>
+          <a:fontRef idx="minor">
+            <a:schemeClr val="lt1"/>
+          </a:fontRef>
+        </p:style>
+      </p:cxnSp>
+      <p:cxnSp>
+        <p:nvCxnSpPr>
+          <p:cNvPr id="1068" name="直線コネクタ 1067">
+            <a:extLst>
+              <a:ext uri="{FF2B5EF4-FFF2-40B4-BE49-F238E27FC236}">
+                <a16:creationId xmlns:a16="http://schemas.microsoft.com/office/drawing/2014/main" id="{6F6C6F38-0BE4-24DE-0158-A528AB13F505}"/>
+              </a:ext>
+            </a:extLst>
+          </p:cNvPr>
+          <p:cNvCxnSpPr>
+            <a:cxnSpLocks/>
+          </p:cNvCxnSpPr>
+          <p:nvPr/>
+        </p:nvCxnSpPr>
+        <p:spPr>
+          <a:xfrm>
+            <a:off x="6037462" y="3625851"/>
+            <a:ext cx="0" cy="433632"/>
+          </a:xfrm>
+          <a:prstGeom prst="line">
+            <a:avLst/>
+          </a:prstGeom>
+          <a:noFill/>
+          <a:ln w="38100">
+            <a:solidFill>
+              <a:schemeClr val="tx1"/>
+            </a:solidFill>
+          </a:ln>
+          <a:effectLst>
+            <a:outerShdw blurRad="50800" dist="38100" dir="2700000" algn="tl" rotWithShape="0">
+              <a:prstClr val="black">
+                <a:alpha val="40000"/>
+              </a:prstClr>
+            </a:outerShdw>
+          </a:effectLst>
+        </p:spPr>
+        <p:style>
+          <a:lnRef idx="2">
+            <a:schemeClr val="accent1">
+              <a:shade val="15000"/>
+            </a:schemeClr>
+          </a:lnRef>
+          <a:fillRef idx="1">
+            <a:schemeClr val="accent1"/>
+          </a:fillRef>
+          <a:effectRef idx="0">
+            <a:schemeClr val="accent1"/>
+          </a:effectRef>
+          <a:fontRef idx="minor">
+            <a:schemeClr val="lt1"/>
+          </a:fontRef>
+        </p:style>
+      </p:cxnSp>
+    </p:spTree>
+    <p:extLst>
+      <p:ext uri="{BB962C8B-B14F-4D97-AF65-F5344CB8AC3E}">
+        <p14:creationId xmlns:p14="http://schemas.microsoft.com/office/powerpoint/2010/main" val="437722071"/>
+      </p:ext>
+    </p:extLst>
+  </p:cSld>
+  <p:clrMapOvr>
+    <a:masterClrMapping/>
+  </p:clrMapOvr>
+</p:sld>
+</file>
+
 <file path=ppt/theme/theme1.xml><?xml version="1.0" encoding="utf-8"?>
 <a:theme xmlns:a="http://schemas.openxmlformats.org/drawingml/2006/main" name="Office テーマ">
   <a:themeElements>

--- a/Dify/Dify.pptx
+++ b/Dify/Dify.pptx
@@ -6,7 +6,8 @@
   </p:sldMasterIdLst>
   <p:sldIdLst>
     <p:sldId id="256" r:id="rId2"/>
-    <p:sldId id="257" r:id="rId3"/>
+    <p:sldId id="258" r:id="rId3"/>
+    <p:sldId id="257" r:id="rId4"/>
   </p:sldIdLst>
   <p:sldSz cx="9906000" cy="6858000" type="A4"/>
   <p:notesSz cx="9144000" cy="6858000"/>
@@ -147,7 +148,7 @@
           <a:p>
             <a:fld id="{A263A33F-51FD-4ED2-9FD3-EEA39661DBB7}" type="datetimeFigureOut">
               <a:rPr kumimoji="1" lang="ja-JP" altLang="en-US" smtClean="0"/>
-              <a:t>2025/2/25</a:t>
+              <a:t>2025/2/26</a:t>
             </a:fld>
             <a:endParaRPr kumimoji="1" lang="ja-JP" altLang="en-US"/>
           </a:p>
@@ -265,7 +266,7 @@
           <a:p>
             <a:fld id="{A263A33F-51FD-4ED2-9FD3-EEA39661DBB7}" type="datetimeFigureOut">
               <a:rPr kumimoji="1" lang="ja-JP" altLang="en-US" smtClean="0"/>
-              <a:t>2025/2/25</a:t>
+              <a:t>2025/2/26</a:t>
             </a:fld>
             <a:endParaRPr kumimoji="1" lang="ja-JP" altLang="en-US"/>
           </a:p>
@@ -2207,6 +2208,419 @@
         <p:cNvPr id="1" name="">
           <a:extLst>
             <a:ext uri="{FF2B5EF4-FFF2-40B4-BE49-F238E27FC236}">
+              <a16:creationId xmlns:a16="http://schemas.microsoft.com/office/drawing/2014/main" id="{7F099E5A-05FA-5D51-2E8D-636BAC52D350}"/>
+            </a:ext>
+          </a:extLst>
+        </p:cNvPr>
+        <p:cNvGrpSpPr/>
+        <p:nvPr/>
+      </p:nvGrpSpPr>
+      <p:grpSpPr>
+        <a:xfrm>
+          <a:off x="0" y="0"/>
+          <a:ext cx="0" cy="0"/>
+          <a:chOff x="0" y="0"/>
+          <a:chExt cx="0" cy="0"/>
+        </a:xfrm>
+      </p:grpSpPr>
+      <p:sp>
+        <p:nvSpPr>
+          <p:cNvPr id="6" name="AutoShape 3">
+            <a:extLst>
+              <a:ext uri="{FF2B5EF4-FFF2-40B4-BE49-F238E27FC236}">
+                <a16:creationId xmlns:a16="http://schemas.microsoft.com/office/drawing/2014/main" id="{060AC08D-5F49-F11A-DEB8-A48A01509611}"/>
+              </a:ext>
+            </a:extLst>
+          </p:cNvPr>
+          <p:cNvSpPr>
+            <a:spLocks noChangeAspect="1" noChangeArrowheads="1"/>
+          </p:cNvSpPr>
+          <p:nvPr/>
+        </p:nvSpPr>
+        <p:spPr bwMode="auto">
+          <a:xfrm>
+            <a:off x="28654196" y="-2756079"/>
+            <a:ext cx="12768441" cy="12768442"/>
+          </a:xfrm>
+          <a:prstGeom prst="rect">
+            <a:avLst/>
+          </a:prstGeom>
+          <a:noFill/>
+          <a:extLst>
+            <a:ext uri="{909E8E84-426E-40DD-AFC4-6F175D3DCCD1}">
+              <a14:hiddenFill xmlns:a14="http://schemas.microsoft.com/office/drawing/2010/main">
+                <a:solidFill>
+                  <a:srgbClr val="FFFFFF"/>
+                </a:solidFill>
+              </a14:hiddenFill>
+            </a:ext>
+          </a:extLst>
+        </p:spPr>
+        <p:txBody>
+          <a:bodyPr vert="horz" wrap="square" lIns="91440" tIns="45720" rIns="91440" bIns="45720" numCol="1" anchor="t" anchorCtr="0" compatLnSpc="1">
+            <a:prstTxWarp prst="textNoShape">
+              <a:avLst/>
+            </a:prstTxWarp>
+          </a:bodyPr>
+          <a:lstStyle/>
+          <a:p>
+            <a:endParaRPr lang="ja-JP" altLang="en-US"/>
+          </a:p>
+        </p:txBody>
+      </p:sp>
+      <p:pic>
+        <p:nvPicPr>
+          <p:cNvPr id="8" name="図 7">
+            <a:extLst>
+              <a:ext uri="{FF2B5EF4-FFF2-40B4-BE49-F238E27FC236}">
+                <a16:creationId xmlns:a16="http://schemas.microsoft.com/office/drawing/2014/main" id="{13C096DD-A353-7D8B-6556-A60CE5D1A8A0}"/>
+              </a:ext>
+            </a:extLst>
+          </p:cNvPr>
+          <p:cNvPicPr>
+            <a:picLocks noChangeAspect="1"/>
+          </p:cNvPicPr>
+          <p:nvPr/>
+        </p:nvPicPr>
+        <p:blipFill>
+          <a:blip r:embed="rId2"/>
+          <a:stretch>
+            <a:fillRect/>
+          </a:stretch>
+        </p:blipFill>
+        <p:spPr>
+          <a:xfrm>
+            <a:off x="42773" y="169752"/>
+            <a:ext cx="3448531" cy="1609950"/>
+          </a:xfrm>
+          <a:prstGeom prst="rect">
+            <a:avLst/>
+          </a:prstGeom>
+        </p:spPr>
+      </p:pic>
+      <p:pic>
+        <p:nvPicPr>
+          <p:cNvPr id="25" name="図 24">
+            <a:extLst>
+              <a:ext uri="{FF2B5EF4-FFF2-40B4-BE49-F238E27FC236}">
+                <a16:creationId xmlns:a16="http://schemas.microsoft.com/office/drawing/2014/main" id="{91D5A673-AFD2-2A0D-01D4-85BBC5460452}"/>
+              </a:ext>
+            </a:extLst>
+          </p:cNvPr>
+          <p:cNvPicPr>
+            <a:picLocks noChangeAspect="1"/>
+          </p:cNvPicPr>
+          <p:nvPr/>
+        </p:nvPicPr>
+        <p:blipFill>
+          <a:blip r:embed="rId3"/>
+          <a:stretch>
+            <a:fillRect/>
+          </a:stretch>
+        </p:blipFill>
+        <p:spPr>
+          <a:xfrm>
+            <a:off x="1535142" y="1807120"/>
+            <a:ext cx="6315956" cy="1171739"/>
+          </a:xfrm>
+          <a:prstGeom prst="rect">
+            <a:avLst/>
+          </a:prstGeom>
+        </p:spPr>
+      </p:pic>
+      <p:cxnSp>
+        <p:nvCxnSpPr>
+          <p:cNvPr id="28" name="直線コネクタ 27">
+            <a:extLst>
+              <a:ext uri="{FF2B5EF4-FFF2-40B4-BE49-F238E27FC236}">
+                <a16:creationId xmlns:a16="http://schemas.microsoft.com/office/drawing/2014/main" id="{87D1AE91-2D6B-B93C-F102-B233B6BD90F5}"/>
+              </a:ext>
+            </a:extLst>
+          </p:cNvPr>
+          <p:cNvCxnSpPr>
+            <a:cxnSpLocks/>
+          </p:cNvCxnSpPr>
+          <p:nvPr/>
+        </p:nvCxnSpPr>
+        <p:spPr>
+          <a:xfrm flipH="1">
+            <a:off x="741641" y="1697310"/>
+            <a:ext cx="1" cy="1703345"/>
+          </a:xfrm>
+          <a:prstGeom prst="line">
+            <a:avLst/>
+          </a:prstGeom>
+          <a:noFill/>
+          <a:ln w="38100">
+            <a:solidFill>
+              <a:schemeClr val="tx1"/>
+            </a:solidFill>
+          </a:ln>
+          <a:effectLst>
+            <a:outerShdw blurRad="50800" dist="38100" dir="2700000" algn="tl" rotWithShape="0">
+              <a:prstClr val="black">
+                <a:alpha val="40000"/>
+              </a:prstClr>
+            </a:outerShdw>
+          </a:effectLst>
+        </p:spPr>
+        <p:style>
+          <a:lnRef idx="2">
+            <a:schemeClr val="accent1">
+              <a:shade val="15000"/>
+            </a:schemeClr>
+          </a:lnRef>
+          <a:fillRef idx="1">
+            <a:schemeClr val="accent1"/>
+          </a:fillRef>
+          <a:effectRef idx="0">
+            <a:schemeClr val="accent1"/>
+          </a:effectRef>
+          <a:fontRef idx="minor">
+            <a:schemeClr val="lt1"/>
+          </a:fontRef>
+        </p:style>
+      </p:cxnSp>
+      <p:cxnSp>
+        <p:nvCxnSpPr>
+          <p:cNvPr id="36" name="直線コネクタ 35">
+            <a:extLst>
+              <a:ext uri="{FF2B5EF4-FFF2-40B4-BE49-F238E27FC236}">
+                <a16:creationId xmlns:a16="http://schemas.microsoft.com/office/drawing/2014/main" id="{88642F83-16E3-0A8E-258C-116798C4CC1D}"/>
+              </a:ext>
+            </a:extLst>
+          </p:cNvPr>
+          <p:cNvCxnSpPr>
+            <a:cxnSpLocks/>
+          </p:cNvCxnSpPr>
+          <p:nvPr/>
+        </p:nvCxnSpPr>
+        <p:spPr>
+          <a:xfrm>
+            <a:off x="741642" y="2448495"/>
+            <a:ext cx="900269" cy="0"/>
+          </a:xfrm>
+          <a:prstGeom prst="line">
+            <a:avLst/>
+          </a:prstGeom>
+          <a:noFill/>
+          <a:ln w="38100">
+            <a:solidFill>
+              <a:schemeClr val="tx1"/>
+            </a:solidFill>
+          </a:ln>
+          <a:effectLst>
+            <a:outerShdw blurRad="50800" dist="38100" dir="2700000" algn="tl" rotWithShape="0">
+              <a:prstClr val="black">
+                <a:alpha val="40000"/>
+              </a:prstClr>
+            </a:outerShdw>
+          </a:effectLst>
+        </p:spPr>
+        <p:style>
+          <a:lnRef idx="2">
+            <a:schemeClr val="accent1">
+              <a:shade val="15000"/>
+            </a:schemeClr>
+          </a:lnRef>
+          <a:fillRef idx="1">
+            <a:schemeClr val="accent1"/>
+          </a:fillRef>
+          <a:effectRef idx="0">
+            <a:schemeClr val="accent1"/>
+          </a:effectRef>
+          <a:fontRef idx="minor">
+            <a:schemeClr val="lt1"/>
+          </a:fontRef>
+        </p:style>
+      </p:cxnSp>
+      <p:cxnSp>
+        <p:nvCxnSpPr>
+          <p:cNvPr id="43" name="直線コネクタ 42">
+            <a:extLst>
+              <a:ext uri="{FF2B5EF4-FFF2-40B4-BE49-F238E27FC236}">
+                <a16:creationId xmlns:a16="http://schemas.microsoft.com/office/drawing/2014/main" id="{9493E7A2-1D30-D5FB-6F31-698B9029D880}"/>
+              </a:ext>
+            </a:extLst>
+          </p:cNvPr>
+          <p:cNvCxnSpPr>
+            <a:cxnSpLocks/>
+          </p:cNvCxnSpPr>
+          <p:nvPr/>
+        </p:nvCxnSpPr>
+        <p:spPr>
+          <a:xfrm>
+            <a:off x="741641" y="3400656"/>
+            <a:ext cx="900269" cy="0"/>
+          </a:xfrm>
+          <a:prstGeom prst="line">
+            <a:avLst/>
+          </a:prstGeom>
+          <a:noFill/>
+          <a:ln w="38100">
+            <a:solidFill>
+              <a:schemeClr val="tx1"/>
+            </a:solidFill>
+          </a:ln>
+          <a:effectLst>
+            <a:outerShdw blurRad="50800" dist="38100" dir="2700000" algn="tl" rotWithShape="0">
+              <a:prstClr val="black">
+                <a:alpha val="40000"/>
+              </a:prstClr>
+            </a:outerShdw>
+          </a:effectLst>
+        </p:spPr>
+        <p:style>
+          <a:lnRef idx="2">
+            <a:schemeClr val="accent1">
+              <a:shade val="15000"/>
+            </a:schemeClr>
+          </a:lnRef>
+          <a:fillRef idx="1">
+            <a:schemeClr val="accent1"/>
+          </a:fillRef>
+          <a:effectRef idx="0">
+            <a:schemeClr val="accent1"/>
+          </a:effectRef>
+          <a:fontRef idx="minor">
+            <a:schemeClr val="lt1"/>
+          </a:fontRef>
+        </p:style>
+      </p:cxnSp>
+      <p:cxnSp>
+        <p:nvCxnSpPr>
+          <p:cNvPr id="44" name="直線コネクタ 43">
+            <a:extLst>
+              <a:ext uri="{FF2B5EF4-FFF2-40B4-BE49-F238E27FC236}">
+                <a16:creationId xmlns:a16="http://schemas.microsoft.com/office/drawing/2014/main" id="{11C03119-C0B3-145B-B1B8-E9E40D78257E}"/>
+              </a:ext>
+            </a:extLst>
+          </p:cNvPr>
+          <p:cNvCxnSpPr>
+            <a:cxnSpLocks/>
+          </p:cNvCxnSpPr>
+          <p:nvPr/>
+        </p:nvCxnSpPr>
+        <p:spPr>
+          <a:xfrm>
+            <a:off x="3571569" y="3400655"/>
+            <a:ext cx="900269" cy="0"/>
+          </a:xfrm>
+          <a:prstGeom prst="line">
+            <a:avLst/>
+          </a:prstGeom>
+          <a:noFill/>
+          <a:ln w="38100">
+            <a:solidFill>
+              <a:schemeClr val="tx1"/>
+            </a:solidFill>
+          </a:ln>
+          <a:effectLst>
+            <a:outerShdw blurRad="50800" dist="38100" dir="2700000" algn="tl" rotWithShape="0">
+              <a:prstClr val="black">
+                <a:alpha val="40000"/>
+              </a:prstClr>
+            </a:outerShdw>
+          </a:effectLst>
+        </p:spPr>
+        <p:style>
+          <a:lnRef idx="2">
+            <a:schemeClr val="accent1">
+              <a:shade val="15000"/>
+            </a:schemeClr>
+          </a:lnRef>
+          <a:fillRef idx="1">
+            <a:schemeClr val="accent1"/>
+          </a:fillRef>
+          <a:effectRef idx="0">
+            <a:schemeClr val="accent1"/>
+          </a:effectRef>
+          <a:fontRef idx="minor">
+            <a:schemeClr val="lt1"/>
+          </a:fontRef>
+        </p:style>
+      </p:cxnSp>
+      <p:pic>
+        <p:nvPicPr>
+          <p:cNvPr id="42" name="図 41">
+            <a:extLst>
+              <a:ext uri="{FF2B5EF4-FFF2-40B4-BE49-F238E27FC236}">
+                <a16:creationId xmlns:a16="http://schemas.microsoft.com/office/drawing/2014/main" id="{E89BC7C1-7E4D-3F3C-084A-11E68E30EEB7}"/>
+              </a:ext>
+            </a:extLst>
+          </p:cNvPr>
+          <p:cNvPicPr>
+            <a:picLocks noChangeAspect="1"/>
+          </p:cNvPicPr>
+          <p:nvPr/>
+        </p:nvPicPr>
+        <p:blipFill>
+          <a:blip r:embed="rId4"/>
+          <a:stretch>
+            <a:fillRect/>
+          </a:stretch>
+        </p:blipFill>
+        <p:spPr>
+          <a:xfrm>
+            <a:off x="1599619" y="3129155"/>
+            <a:ext cx="1971950" cy="543001"/>
+          </a:xfrm>
+          <a:prstGeom prst="rect">
+            <a:avLst/>
+          </a:prstGeom>
+        </p:spPr>
+      </p:pic>
+      <p:pic>
+        <p:nvPicPr>
+          <p:cNvPr id="53" name="図 52">
+            <a:extLst>
+              <a:ext uri="{FF2B5EF4-FFF2-40B4-BE49-F238E27FC236}">
+                <a16:creationId xmlns:a16="http://schemas.microsoft.com/office/drawing/2014/main" id="{0E40FB27-2CB6-87AF-4701-59374D4F5EB6}"/>
+              </a:ext>
+            </a:extLst>
+          </p:cNvPr>
+          <p:cNvPicPr>
+            <a:picLocks noChangeAspect="1"/>
+          </p:cNvPicPr>
+          <p:nvPr/>
+        </p:nvPicPr>
+        <p:blipFill>
+          <a:blip r:embed="rId5"/>
+          <a:stretch>
+            <a:fillRect/>
+          </a:stretch>
+        </p:blipFill>
+        <p:spPr>
+          <a:xfrm>
+            <a:off x="4286157" y="3172889"/>
+            <a:ext cx="1333686" cy="419158"/>
+          </a:xfrm>
+          <a:prstGeom prst="rect">
+            <a:avLst/>
+          </a:prstGeom>
+        </p:spPr>
+      </p:pic>
+    </p:spTree>
+    <p:extLst>
+      <p:ext uri="{BB962C8B-B14F-4D97-AF65-F5344CB8AC3E}">
+        <p14:creationId xmlns:p14="http://schemas.microsoft.com/office/powerpoint/2010/main" val="3569311263"/>
+      </p:ext>
+    </p:extLst>
+  </p:cSld>
+  <p:clrMapOvr>
+    <a:masterClrMapping/>
+  </p:clrMapOvr>
+</p:sld>
+</file>
+
+<file path=ppt/slides/slide3.xml><?xml version="1.0" encoding="utf-8"?>
+<p:sld xmlns:a="http://schemas.openxmlformats.org/drawingml/2006/main" xmlns:r="http://schemas.openxmlformats.org/officeDocument/2006/relationships" xmlns:p="http://schemas.openxmlformats.org/presentationml/2006/main">
+  <p:cSld>
+    <p:spTree>
+      <p:nvGrpSpPr>
+        <p:cNvPr id="1" name="">
+          <a:extLst>
+            <a:ext uri="{FF2B5EF4-FFF2-40B4-BE49-F238E27FC236}">
               <a16:creationId xmlns:a16="http://schemas.microsoft.com/office/drawing/2014/main" id="{FC9030AD-38E5-37BA-50D3-0402C9F0756F}"/>
             </a:ext>
           </a:extLst>
